--- a/IPA.pptx
+++ b/IPA.pptx
@@ -8,7 +8,7 @@
     <p:notesMasterId r:id="rId26"/>
   </p:notesMasterIdLst>
   <p:sldIdLst>
-    <p:sldId id="256" r:id="rId2"/>
+    <p:sldId id="283" r:id="rId2"/>
     <p:sldId id="261" r:id="rId3"/>
     <p:sldId id="257" r:id="rId4"/>
     <p:sldId id="259" r:id="rId5"/>
@@ -2090,6 +2090,13 @@
         </dgm:presLayoutVars>
       </dgm:prSet>
       <dgm:spPr/>
+      <dgm:t>
+        <a:bodyPr/>
+        <a:lstStyle/>
+        <a:p>
+          <a:endParaRPr lang="de-DE"/>
+        </a:p>
+      </dgm:t>
     </dgm:pt>
     <dgm:pt modelId="{55928023-072F-4297-879C-E36572CD332D}" type="pres">
       <dgm:prSet presAssocID="{C27E277F-98B2-4891-8A4E-643001AEB3F3}" presName="thickLine" presStyleLbl="alignNode1" presStyleIdx="0" presStyleCnt="7"/>
@@ -2102,6 +2109,13 @@
     <dgm:pt modelId="{2BF75A24-8C4F-40B4-8F00-9BB92CF67D9B}" type="pres">
       <dgm:prSet presAssocID="{C27E277F-98B2-4891-8A4E-643001AEB3F3}" presName="tx1" presStyleLbl="revTx" presStyleIdx="0" presStyleCnt="7"/>
       <dgm:spPr/>
+      <dgm:t>
+        <a:bodyPr/>
+        <a:lstStyle/>
+        <a:p>
+          <a:endParaRPr lang="de-DE"/>
+        </a:p>
+      </dgm:t>
     </dgm:pt>
     <dgm:pt modelId="{F2962D39-9E10-45BE-A7D2-16065ED8F057}" type="pres">
       <dgm:prSet presAssocID="{C27E277F-98B2-4891-8A4E-643001AEB3F3}" presName="vert1" presStyleCnt="0"/>
@@ -2118,6 +2132,13 @@
     <dgm:pt modelId="{D5136C6D-008F-4E36-8C24-CD9E34661A2E}" type="pres">
       <dgm:prSet presAssocID="{E2C333CA-F0DF-41B4-BB17-E9FBF3E03142}" presName="tx1" presStyleLbl="revTx" presStyleIdx="1" presStyleCnt="7"/>
       <dgm:spPr/>
+      <dgm:t>
+        <a:bodyPr/>
+        <a:lstStyle/>
+        <a:p>
+          <a:endParaRPr lang="de-DE"/>
+        </a:p>
+      </dgm:t>
     </dgm:pt>
     <dgm:pt modelId="{38A173DD-6D02-41F2-8AF4-DFCACB7C6ADD}" type="pres">
       <dgm:prSet presAssocID="{E2C333CA-F0DF-41B4-BB17-E9FBF3E03142}" presName="vert1" presStyleCnt="0"/>
@@ -2134,6 +2155,13 @@
     <dgm:pt modelId="{79EA0E0B-6A82-4C99-9A1E-56DAA42E93BD}" type="pres">
       <dgm:prSet presAssocID="{EF68F7E2-D0C2-4D01-B5AB-917B5AFCE449}" presName="tx1" presStyleLbl="revTx" presStyleIdx="2" presStyleCnt="7"/>
       <dgm:spPr/>
+      <dgm:t>
+        <a:bodyPr/>
+        <a:lstStyle/>
+        <a:p>
+          <a:endParaRPr lang="de-DE"/>
+        </a:p>
+      </dgm:t>
     </dgm:pt>
     <dgm:pt modelId="{81984C09-13C0-4BEB-9590-CCEFC9666BD6}" type="pres">
       <dgm:prSet presAssocID="{EF68F7E2-D0C2-4D01-B5AB-917B5AFCE449}" presName="vert1" presStyleCnt="0"/>
@@ -2150,6 +2178,13 @@
     <dgm:pt modelId="{DAF8BC61-4BCF-4C8D-826C-B7922E32BA3C}" type="pres">
       <dgm:prSet presAssocID="{5E8ADC64-0F18-492B-957A-CC6CF2C79465}" presName="tx1" presStyleLbl="revTx" presStyleIdx="3" presStyleCnt="7"/>
       <dgm:spPr/>
+      <dgm:t>
+        <a:bodyPr/>
+        <a:lstStyle/>
+        <a:p>
+          <a:endParaRPr lang="de-DE"/>
+        </a:p>
+      </dgm:t>
     </dgm:pt>
     <dgm:pt modelId="{A7AAE3DB-34AA-4A0A-BDC3-ED4879422DF0}" type="pres">
       <dgm:prSet presAssocID="{5E8ADC64-0F18-492B-957A-CC6CF2C79465}" presName="vert1" presStyleCnt="0"/>
@@ -2166,6 +2201,13 @@
     <dgm:pt modelId="{4C82E03E-AD8D-4350-BA1A-1FD16EDA6B0C}" type="pres">
       <dgm:prSet presAssocID="{616E8AD9-6FED-4424-8035-D567AC933E3B}" presName="tx1" presStyleLbl="revTx" presStyleIdx="4" presStyleCnt="7"/>
       <dgm:spPr/>
+      <dgm:t>
+        <a:bodyPr/>
+        <a:lstStyle/>
+        <a:p>
+          <a:endParaRPr lang="de-DE"/>
+        </a:p>
+      </dgm:t>
     </dgm:pt>
     <dgm:pt modelId="{17644C23-9769-4102-AF69-814F05850F78}" type="pres">
       <dgm:prSet presAssocID="{616E8AD9-6FED-4424-8035-D567AC933E3B}" presName="vert1" presStyleCnt="0"/>
@@ -2182,6 +2224,13 @@
     <dgm:pt modelId="{7C388A7D-90E4-4E2A-975F-061AFB8E09A0}" type="pres">
       <dgm:prSet presAssocID="{7A779064-392B-4E41-86D6-8B04256BD45E}" presName="tx1" presStyleLbl="revTx" presStyleIdx="5" presStyleCnt="7"/>
       <dgm:spPr/>
+      <dgm:t>
+        <a:bodyPr/>
+        <a:lstStyle/>
+        <a:p>
+          <a:endParaRPr lang="de-DE"/>
+        </a:p>
+      </dgm:t>
     </dgm:pt>
     <dgm:pt modelId="{FD07C8DA-9372-4642-89BA-9DAB883A23C6}" type="pres">
       <dgm:prSet presAssocID="{7A779064-392B-4E41-86D6-8B04256BD45E}" presName="vert1" presStyleCnt="0"/>
@@ -2198,6 +2247,13 @@
     <dgm:pt modelId="{05BFFCCE-3C11-4737-B52B-913939E90CC5}" type="pres">
       <dgm:prSet presAssocID="{3BB0979D-6F64-4C1E-8264-F965E7CA5644}" presName="tx1" presStyleLbl="revTx" presStyleIdx="6" presStyleCnt="7"/>
       <dgm:spPr/>
+      <dgm:t>
+        <a:bodyPr/>
+        <a:lstStyle/>
+        <a:p>
+          <a:endParaRPr lang="de-DE"/>
+        </a:p>
+      </dgm:t>
     </dgm:pt>
     <dgm:pt modelId="{BA790071-E0F2-4F21-A124-7816F3C984D2}" type="pres">
       <dgm:prSet presAssocID="{3BB0979D-6F64-4C1E-8264-F965E7CA5644}" presName="vert1" presStyleCnt="0"/>
@@ -2205,21 +2261,21 @@
     </dgm:pt>
   </dgm:ptLst>
   <dgm:cxnLst>
+    <dgm:cxn modelId="{845016DB-9880-4313-8769-0C4A7A62EE70}" srcId="{1B54FDE3-2C3D-4644-B680-37E412769733}" destId="{C27E277F-98B2-4891-8A4E-643001AEB3F3}" srcOrd="0" destOrd="0" parTransId="{75C53527-B248-4F17-91FE-8C5CD0ACB4F0}" sibTransId="{D28B3614-B581-4606-A61C-86BD0E7EE601}"/>
+    <dgm:cxn modelId="{79EE081A-BEFD-49F2-9007-1CE1BB40272C}" srcId="{1B54FDE3-2C3D-4644-B680-37E412769733}" destId="{E2C333CA-F0DF-41B4-BB17-E9FBF3E03142}" srcOrd="1" destOrd="0" parTransId="{AC49315A-00F7-4264-9235-8D17CC7DD2B6}" sibTransId="{A438F16B-CA01-4C5E-822A-766B947BF5CA}"/>
+    <dgm:cxn modelId="{FD41B3F8-FCA5-4464-9D09-653F896F5B50}" srcId="{1B54FDE3-2C3D-4644-B680-37E412769733}" destId="{7A779064-392B-4E41-86D6-8B04256BD45E}" srcOrd="5" destOrd="0" parTransId="{2C3E2B5B-184A-4862-84D5-74706A1DC7AC}" sibTransId="{42899169-CFC4-42E0-A44A-71D21DF83463}"/>
+    <dgm:cxn modelId="{C917A966-CD28-4867-9251-A8F72C513050}" srcId="{1B54FDE3-2C3D-4644-B680-37E412769733}" destId="{616E8AD9-6FED-4424-8035-D567AC933E3B}" srcOrd="4" destOrd="0" parTransId="{EA7D5183-5D4D-4204-BC75-66513F663582}" sibTransId="{A0249937-2FDB-4A24-8B03-EF27989C3389}"/>
+    <dgm:cxn modelId="{A9B75C08-1D55-4EDB-9447-C53A7907D74C}" srcId="{1B54FDE3-2C3D-4644-B680-37E412769733}" destId="{EF68F7E2-D0C2-4D01-B5AB-917B5AFCE449}" srcOrd="2" destOrd="0" parTransId="{01BC0168-A79A-4A08-A1FB-24708F8B9390}" sibTransId="{C24696F5-C045-42DD-8605-B05B6CCED3D0}"/>
+    <dgm:cxn modelId="{EE61313B-42D2-4AA7-A81E-9999BD258B2D}" type="presOf" srcId="{3BB0979D-6F64-4C1E-8264-F965E7CA5644}" destId="{05BFFCCE-3C11-4737-B52B-913939E90CC5}" srcOrd="0" destOrd="0" presId="urn:microsoft.com/office/officeart/2008/layout/LinedList"/>
+    <dgm:cxn modelId="{BA407375-96C4-4F61-A5EB-B60EE7ABAFC4}" srcId="{1B54FDE3-2C3D-4644-B680-37E412769733}" destId="{3BB0979D-6F64-4C1E-8264-F965E7CA5644}" srcOrd="6" destOrd="0" parTransId="{D9331946-C4FD-446A-9C61-8BDB77C20D0E}" sibTransId="{701B0CA1-5B42-4B64-B172-A24251F732BD}"/>
+    <dgm:cxn modelId="{1A8213D6-10E3-4688-A939-7B7DC6BEE7B1}" type="presOf" srcId="{5E8ADC64-0F18-492B-957A-CC6CF2C79465}" destId="{DAF8BC61-4BCF-4C8D-826C-B7922E32BA3C}" srcOrd="0" destOrd="0" presId="urn:microsoft.com/office/officeart/2008/layout/LinedList"/>
+    <dgm:cxn modelId="{2FFAD488-C78D-4D00-8AFA-93FE0EA83909}" type="presOf" srcId="{7A779064-392B-4E41-86D6-8B04256BD45E}" destId="{7C388A7D-90E4-4E2A-975F-061AFB8E09A0}" srcOrd="0" destOrd="0" presId="urn:microsoft.com/office/officeart/2008/layout/LinedList"/>
+    <dgm:cxn modelId="{3E6A90DC-985F-4B3D-9936-60E5E845D934}" srcId="{1B54FDE3-2C3D-4644-B680-37E412769733}" destId="{5E8ADC64-0F18-492B-957A-CC6CF2C79465}" srcOrd="3" destOrd="0" parTransId="{95679D65-4341-4F3E-BF0E-4F053E53D51A}" sibTransId="{0D134772-D2B5-475F-8C32-FFEE2784709E}"/>
     <dgm:cxn modelId="{7AA52306-35FE-42D4-8A2A-86CFC755F576}" type="presOf" srcId="{C27E277F-98B2-4891-8A4E-643001AEB3F3}" destId="{2BF75A24-8C4F-40B4-8F00-9BB92CF67D9B}" srcOrd="0" destOrd="0" presId="urn:microsoft.com/office/officeart/2008/layout/LinedList"/>
-    <dgm:cxn modelId="{A9B75C08-1D55-4EDB-9447-C53A7907D74C}" srcId="{1B54FDE3-2C3D-4644-B680-37E412769733}" destId="{EF68F7E2-D0C2-4D01-B5AB-917B5AFCE449}" srcOrd="2" destOrd="0" parTransId="{01BC0168-A79A-4A08-A1FB-24708F8B9390}" sibTransId="{C24696F5-C045-42DD-8605-B05B6CCED3D0}"/>
-    <dgm:cxn modelId="{79EE081A-BEFD-49F2-9007-1CE1BB40272C}" srcId="{1B54FDE3-2C3D-4644-B680-37E412769733}" destId="{E2C333CA-F0DF-41B4-BB17-E9FBF3E03142}" srcOrd="1" destOrd="0" parTransId="{AC49315A-00F7-4264-9235-8D17CC7DD2B6}" sibTransId="{A438F16B-CA01-4C5E-822A-766B947BF5CA}"/>
+    <dgm:cxn modelId="{4789ED70-6940-4AF0-BE33-BE73EDCB9FA8}" type="presOf" srcId="{E2C333CA-F0DF-41B4-BB17-E9FBF3E03142}" destId="{D5136C6D-008F-4E36-8C24-CD9E34661A2E}" srcOrd="0" destOrd="0" presId="urn:microsoft.com/office/officeart/2008/layout/LinedList"/>
+    <dgm:cxn modelId="{958CAED5-2EBD-4F6C-BA26-0A0DF82D3FD6}" type="presOf" srcId="{616E8AD9-6FED-4424-8035-D567AC933E3B}" destId="{4C82E03E-AD8D-4350-BA1A-1FD16EDA6B0C}" srcOrd="0" destOrd="0" presId="urn:microsoft.com/office/officeart/2008/layout/LinedList"/>
+    <dgm:cxn modelId="{FA72F38F-588D-4A0F-8815-F85E28C13E75}" type="presOf" srcId="{EF68F7E2-D0C2-4D01-B5AB-917B5AFCE449}" destId="{79EA0E0B-6A82-4C99-9A1E-56DAA42E93BD}" srcOrd="0" destOrd="0" presId="urn:microsoft.com/office/officeart/2008/layout/LinedList"/>
     <dgm:cxn modelId="{E8D86939-E069-4343-9C07-4C78BF2A6A46}" type="presOf" srcId="{1B54FDE3-2C3D-4644-B680-37E412769733}" destId="{00259D31-5668-46AC-8475-5968B2774A8B}" srcOrd="0" destOrd="0" presId="urn:microsoft.com/office/officeart/2008/layout/LinedList"/>
-    <dgm:cxn modelId="{EE61313B-42D2-4AA7-A81E-9999BD258B2D}" type="presOf" srcId="{3BB0979D-6F64-4C1E-8264-F965E7CA5644}" destId="{05BFFCCE-3C11-4737-B52B-913939E90CC5}" srcOrd="0" destOrd="0" presId="urn:microsoft.com/office/officeart/2008/layout/LinedList"/>
-    <dgm:cxn modelId="{C917A966-CD28-4867-9251-A8F72C513050}" srcId="{1B54FDE3-2C3D-4644-B680-37E412769733}" destId="{616E8AD9-6FED-4424-8035-D567AC933E3B}" srcOrd="4" destOrd="0" parTransId="{EA7D5183-5D4D-4204-BC75-66513F663582}" sibTransId="{A0249937-2FDB-4A24-8B03-EF27989C3389}"/>
-    <dgm:cxn modelId="{4789ED70-6940-4AF0-BE33-BE73EDCB9FA8}" type="presOf" srcId="{E2C333CA-F0DF-41B4-BB17-E9FBF3E03142}" destId="{D5136C6D-008F-4E36-8C24-CD9E34661A2E}" srcOrd="0" destOrd="0" presId="urn:microsoft.com/office/officeart/2008/layout/LinedList"/>
-    <dgm:cxn modelId="{BA407375-96C4-4F61-A5EB-B60EE7ABAFC4}" srcId="{1B54FDE3-2C3D-4644-B680-37E412769733}" destId="{3BB0979D-6F64-4C1E-8264-F965E7CA5644}" srcOrd="6" destOrd="0" parTransId="{D9331946-C4FD-446A-9C61-8BDB77C20D0E}" sibTransId="{701B0CA1-5B42-4B64-B172-A24251F732BD}"/>
-    <dgm:cxn modelId="{2FFAD488-C78D-4D00-8AFA-93FE0EA83909}" type="presOf" srcId="{7A779064-392B-4E41-86D6-8B04256BD45E}" destId="{7C388A7D-90E4-4E2A-975F-061AFB8E09A0}" srcOrd="0" destOrd="0" presId="urn:microsoft.com/office/officeart/2008/layout/LinedList"/>
-    <dgm:cxn modelId="{FA72F38F-588D-4A0F-8815-F85E28C13E75}" type="presOf" srcId="{EF68F7E2-D0C2-4D01-B5AB-917B5AFCE449}" destId="{79EA0E0B-6A82-4C99-9A1E-56DAA42E93BD}" srcOrd="0" destOrd="0" presId="urn:microsoft.com/office/officeart/2008/layout/LinedList"/>
-    <dgm:cxn modelId="{958CAED5-2EBD-4F6C-BA26-0A0DF82D3FD6}" type="presOf" srcId="{616E8AD9-6FED-4424-8035-D567AC933E3B}" destId="{4C82E03E-AD8D-4350-BA1A-1FD16EDA6B0C}" srcOrd="0" destOrd="0" presId="urn:microsoft.com/office/officeart/2008/layout/LinedList"/>
-    <dgm:cxn modelId="{1A8213D6-10E3-4688-A939-7B7DC6BEE7B1}" type="presOf" srcId="{5E8ADC64-0F18-492B-957A-CC6CF2C79465}" destId="{DAF8BC61-4BCF-4C8D-826C-B7922E32BA3C}" srcOrd="0" destOrd="0" presId="urn:microsoft.com/office/officeart/2008/layout/LinedList"/>
-    <dgm:cxn modelId="{845016DB-9880-4313-8769-0C4A7A62EE70}" srcId="{1B54FDE3-2C3D-4644-B680-37E412769733}" destId="{C27E277F-98B2-4891-8A4E-643001AEB3F3}" srcOrd="0" destOrd="0" parTransId="{75C53527-B248-4F17-91FE-8C5CD0ACB4F0}" sibTransId="{D28B3614-B581-4606-A61C-86BD0E7EE601}"/>
-    <dgm:cxn modelId="{3E6A90DC-985F-4B3D-9936-60E5E845D934}" srcId="{1B54FDE3-2C3D-4644-B680-37E412769733}" destId="{5E8ADC64-0F18-492B-957A-CC6CF2C79465}" srcOrd="3" destOrd="0" parTransId="{95679D65-4341-4F3E-BF0E-4F053E53D51A}" sibTransId="{0D134772-D2B5-475F-8C32-FFEE2784709E}"/>
-    <dgm:cxn modelId="{FD41B3F8-FCA5-4464-9D09-653F896F5B50}" srcId="{1B54FDE3-2C3D-4644-B680-37E412769733}" destId="{7A779064-392B-4E41-86D6-8B04256BD45E}" srcOrd="5" destOrd="0" parTransId="{2C3E2B5B-184A-4862-84D5-74706A1DC7AC}" sibTransId="{42899169-CFC4-42E0-A44A-71D21DF83463}"/>
     <dgm:cxn modelId="{0ADD9687-1256-4161-817B-33EDB8804400}" type="presParOf" srcId="{00259D31-5668-46AC-8475-5968B2774A8B}" destId="{55928023-072F-4297-879C-E36572CD332D}" srcOrd="0" destOrd="0" presId="urn:microsoft.com/office/officeart/2008/layout/LinedList"/>
     <dgm:cxn modelId="{C7E75378-C857-47CE-B7B0-51C23D94BAEB}" type="presParOf" srcId="{00259D31-5668-46AC-8475-5968B2774A8B}" destId="{996FD099-9EF4-4F2E-9015-8860A524552B}" srcOrd="1" destOrd="0" presId="urn:microsoft.com/office/officeart/2008/layout/LinedList"/>
     <dgm:cxn modelId="{279703A9-E81E-421F-BF86-E7A721B58744}" type="presParOf" srcId="{996FD099-9EF4-4F2E-9015-8860A524552B}" destId="{2BF75A24-8C4F-40B4-8F00-9BB92CF67D9B}" srcOrd="0" destOrd="0" presId="urn:microsoft.com/office/officeart/2008/layout/LinedList"/>
@@ -2432,6 +2488,13 @@
         </dgm:presLayoutVars>
       </dgm:prSet>
       <dgm:spPr/>
+      <dgm:t>
+        <a:bodyPr/>
+        <a:lstStyle/>
+        <a:p>
+          <a:endParaRPr lang="de-DE"/>
+        </a:p>
+      </dgm:t>
     </dgm:pt>
     <dgm:pt modelId="{728023B6-0ED0-42A4-9718-9D9AD9D268C3}" type="pres">
       <dgm:prSet presAssocID="{DC17778F-C3F4-4162-8180-2703DCECD364}" presName="hierRoot1" presStyleCnt="0"/>
@@ -2452,6 +2515,13 @@
         </dgm:presLayoutVars>
       </dgm:prSet>
       <dgm:spPr/>
+      <dgm:t>
+        <a:bodyPr/>
+        <a:lstStyle/>
+        <a:p>
+          <a:endParaRPr lang="de-DE"/>
+        </a:p>
+      </dgm:t>
     </dgm:pt>
     <dgm:pt modelId="{CEA0C6AB-299F-4A4E-BFC6-6B93F68D973A}" type="pres">
       <dgm:prSet presAssocID="{DC17778F-C3F4-4162-8180-2703DCECD364}" presName="hierChild2" presStyleCnt="0"/>
@@ -2476,6 +2546,13 @@
         </dgm:presLayoutVars>
       </dgm:prSet>
       <dgm:spPr/>
+      <dgm:t>
+        <a:bodyPr/>
+        <a:lstStyle/>
+        <a:p>
+          <a:endParaRPr lang="de-DE"/>
+        </a:p>
+      </dgm:t>
     </dgm:pt>
     <dgm:pt modelId="{91C17F00-BAB4-44A0-B167-462E2C68C554}" type="pres">
       <dgm:prSet presAssocID="{AF49C04C-D2D9-4754-A216-3A2999A8AF3A}" presName="hierChild2" presStyleCnt="0"/>
@@ -2500,6 +2577,13 @@
         </dgm:presLayoutVars>
       </dgm:prSet>
       <dgm:spPr/>
+      <dgm:t>
+        <a:bodyPr/>
+        <a:lstStyle/>
+        <a:p>
+          <a:endParaRPr lang="de-DE"/>
+        </a:p>
+      </dgm:t>
     </dgm:pt>
     <dgm:pt modelId="{CBE85BB9-C45C-4579-BC5C-17B7F62A390A}" type="pres">
       <dgm:prSet presAssocID="{0E0FA68E-06E3-4D89-A24D-1A2D019A2D0C}" presName="hierChild2" presStyleCnt="0"/>
@@ -2524,6 +2608,13 @@
         </dgm:presLayoutVars>
       </dgm:prSet>
       <dgm:spPr/>
+      <dgm:t>
+        <a:bodyPr/>
+        <a:lstStyle/>
+        <a:p>
+          <a:endParaRPr lang="de-DE"/>
+        </a:p>
+      </dgm:t>
     </dgm:pt>
     <dgm:pt modelId="{1BA208C6-054D-4522-BC3F-42157DA7AF90}" type="pres">
       <dgm:prSet presAssocID="{7A5A601D-B1AB-4C3D-B69C-7E565D37F680}" presName="hierChild2" presStyleCnt="0"/>
@@ -2531,15 +2622,15 @@
     </dgm:pt>
   </dgm:ptLst>
   <dgm:cxnLst>
+    <dgm:cxn modelId="{F0E0FA45-ABC6-4656-9277-83C753BCA18E}" srcId="{67550273-13D4-4CBC-AAAD-C0A94D2ECE35}" destId="{0E0FA68E-06E3-4D89-A24D-1A2D019A2D0C}" srcOrd="2" destOrd="0" parTransId="{5C343996-BDC4-48B1-A4A0-959B94DC7B73}" sibTransId="{423D4568-124B-454A-895A-74289E0B63C2}"/>
+    <dgm:cxn modelId="{A442C3D1-5730-4388-A785-0A411F8C2CCA}" type="presOf" srcId="{AF49C04C-D2D9-4754-A216-3A2999A8AF3A}" destId="{5130AEB0-DC58-4936-B8C2-811670BCE86D}" srcOrd="0" destOrd="0" presId="urn:microsoft.com/office/officeart/2005/8/layout/hierarchy1"/>
+    <dgm:cxn modelId="{2F3341EC-A15F-4854-8DF8-9ADD64BA304D}" srcId="{67550273-13D4-4CBC-AAAD-C0A94D2ECE35}" destId="{DC17778F-C3F4-4162-8180-2703DCECD364}" srcOrd="0" destOrd="0" parTransId="{63B22E75-8CFC-4EDB-96D2-31C7EFCF41B4}" sibTransId="{545414DC-F039-4793-AB2B-86B75C49E661}"/>
     <dgm:cxn modelId="{A29BBE01-534A-405C-AC2C-73DDD11B9259}" type="presOf" srcId="{0E0FA68E-06E3-4D89-A24D-1A2D019A2D0C}" destId="{857EB379-4B4B-4A7C-96A5-54D692DB14A4}" srcOrd="0" destOrd="0" presId="urn:microsoft.com/office/officeart/2005/8/layout/hierarchy1"/>
-    <dgm:cxn modelId="{A14CCD11-E2F2-41FC-9411-D09C473D4C94}" srcId="{67550273-13D4-4CBC-AAAD-C0A94D2ECE35}" destId="{7A5A601D-B1AB-4C3D-B69C-7E565D37F680}" srcOrd="3" destOrd="0" parTransId="{B4C628DA-39C7-49EE-B4FE-2A7ACCD42DC4}" sibTransId="{657BB8FB-82E0-43AD-840E-4AA6F36ACEB2}"/>
-    <dgm:cxn modelId="{F0E0FA45-ABC6-4656-9277-83C753BCA18E}" srcId="{67550273-13D4-4CBC-AAAD-C0A94D2ECE35}" destId="{0E0FA68E-06E3-4D89-A24D-1A2D019A2D0C}" srcOrd="2" destOrd="0" parTransId="{5C343996-BDC4-48B1-A4A0-959B94DC7B73}" sibTransId="{423D4568-124B-454A-895A-74289E0B63C2}"/>
+    <dgm:cxn modelId="{79C0E5FA-F38F-42C5-903F-8583D0DFF2D0}" type="presOf" srcId="{DC17778F-C3F4-4162-8180-2703DCECD364}" destId="{BC18E57A-8172-4E28-A0D0-6921633E580E}" srcOrd="0" destOrd="0" presId="urn:microsoft.com/office/officeart/2005/8/layout/hierarchy1"/>
     <dgm:cxn modelId="{F7C9A773-80CF-45A3-A751-15C8A3ECBFEE}" type="presOf" srcId="{7A5A601D-B1AB-4C3D-B69C-7E565D37F680}" destId="{C83EF7DD-4ABE-476D-A617-3F8B3BD5CC39}" srcOrd="0" destOrd="0" presId="urn:microsoft.com/office/officeart/2005/8/layout/hierarchy1"/>
     <dgm:cxn modelId="{A1BAFA58-195E-4533-A229-B96345F6B0BF}" type="presOf" srcId="{67550273-13D4-4CBC-AAAD-C0A94D2ECE35}" destId="{48B09342-F48D-4F39-AC5A-7407F15117AE}" srcOrd="0" destOrd="0" presId="urn:microsoft.com/office/officeart/2005/8/layout/hierarchy1"/>
     <dgm:cxn modelId="{1902C6C3-F8F7-4CF5-9E26-D80619D6CADF}" srcId="{67550273-13D4-4CBC-AAAD-C0A94D2ECE35}" destId="{AF49C04C-D2D9-4754-A216-3A2999A8AF3A}" srcOrd="1" destOrd="0" parTransId="{E915E5F9-05B5-427C-A27F-550307477F2C}" sibTransId="{B2042B39-3FD6-4FC0-A58A-0D74C3E80B75}"/>
-    <dgm:cxn modelId="{A442C3D1-5730-4388-A785-0A411F8C2CCA}" type="presOf" srcId="{AF49C04C-D2D9-4754-A216-3A2999A8AF3A}" destId="{5130AEB0-DC58-4936-B8C2-811670BCE86D}" srcOrd="0" destOrd="0" presId="urn:microsoft.com/office/officeart/2005/8/layout/hierarchy1"/>
-    <dgm:cxn modelId="{2F3341EC-A15F-4854-8DF8-9ADD64BA304D}" srcId="{67550273-13D4-4CBC-AAAD-C0A94D2ECE35}" destId="{DC17778F-C3F4-4162-8180-2703DCECD364}" srcOrd="0" destOrd="0" parTransId="{63B22E75-8CFC-4EDB-96D2-31C7EFCF41B4}" sibTransId="{545414DC-F039-4793-AB2B-86B75C49E661}"/>
-    <dgm:cxn modelId="{79C0E5FA-F38F-42C5-903F-8583D0DFF2D0}" type="presOf" srcId="{DC17778F-C3F4-4162-8180-2703DCECD364}" destId="{BC18E57A-8172-4E28-A0D0-6921633E580E}" srcOrd="0" destOrd="0" presId="urn:microsoft.com/office/officeart/2005/8/layout/hierarchy1"/>
+    <dgm:cxn modelId="{A14CCD11-E2F2-41FC-9411-D09C473D4C94}" srcId="{67550273-13D4-4CBC-AAAD-C0A94D2ECE35}" destId="{7A5A601D-B1AB-4C3D-B69C-7E565D37F680}" srcOrd="3" destOrd="0" parTransId="{B4C628DA-39C7-49EE-B4FE-2A7ACCD42DC4}" sibTransId="{657BB8FB-82E0-43AD-840E-4AA6F36ACEB2}"/>
     <dgm:cxn modelId="{BB42FB72-95A2-417B-8377-0ADFAFF13414}" type="presParOf" srcId="{48B09342-F48D-4F39-AC5A-7407F15117AE}" destId="{728023B6-0ED0-42A4-9718-9D9AD9D268C3}" srcOrd="0" destOrd="0" presId="urn:microsoft.com/office/officeart/2005/8/layout/hierarchy1"/>
     <dgm:cxn modelId="{488B651C-C7BF-4376-9675-666638FC2FCC}" type="presParOf" srcId="{728023B6-0ED0-42A4-9718-9D9AD9D268C3}" destId="{66D06BDD-C770-4B40-BBBB-31CB39757C89}" srcOrd="0" destOrd="0" presId="urn:microsoft.com/office/officeart/2005/8/layout/hierarchy1"/>
     <dgm:cxn modelId="{2D516D66-DE9E-4CD9-A12C-E716B6070BD3}" type="presParOf" srcId="{66D06BDD-C770-4B40-BBBB-31CB39757C89}" destId="{355EC295-2E24-4FFB-A07A-665F48A388CD}" srcOrd="0" destOrd="0" presId="urn:microsoft.com/office/officeart/2005/8/layout/hierarchy1"/>
@@ -2666,7 +2757,7 @@
         </a:bodyPr>
         <a:lstStyle/>
         <a:p>
-          <a:pPr marL="0" lvl="0" indent="0" algn="l" defTabSz="1466850">
+          <a:pPr lvl="0" algn="l" defTabSz="1466850">
             <a:lnSpc>
               <a:spcPct val="90000"/>
             </a:lnSpc>
@@ -2676,7 +2767,6 @@
             <a:spcAft>
               <a:spcPct val="35000"/>
             </a:spcAft>
-            <a:buNone/>
           </a:pPr>
           <a:r>
             <a:rPr lang="de-DE" sz="3300" kern="1200"/>
@@ -2777,7 +2867,7 @@
         </a:bodyPr>
         <a:lstStyle/>
         <a:p>
-          <a:pPr marL="0" lvl="0" indent="0" algn="l" defTabSz="1466850">
+          <a:pPr lvl="0" algn="l" defTabSz="1466850">
             <a:lnSpc>
               <a:spcPct val="90000"/>
             </a:lnSpc>
@@ -2787,7 +2877,6 @@
             <a:spcAft>
               <a:spcPct val="35000"/>
             </a:spcAft>
-            <a:buNone/>
           </a:pPr>
           <a:r>
             <a:rPr lang="de-DE" sz="3300" kern="1200"/>
@@ -2888,7 +2977,7 @@
         </a:bodyPr>
         <a:lstStyle/>
         <a:p>
-          <a:pPr marL="0" lvl="0" indent="0" algn="l" defTabSz="1466850">
+          <a:pPr lvl="0" algn="l" defTabSz="1466850">
             <a:lnSpc>
               <a:spcPct val="90000"/>
             </a:lnSpc>
@@ -2898,7 +2987,6 @@
             <a:spcAft>
               <a:spcPct val="35000"/>
             </a:spcAft>
-            <a:buNone/>
           </a:pPr>
           <a:r>
             <a:rPr lang="de-DE" sz="3300" kern="1200"/>
@@ -2999,7 +3087,7 @@
         </a:bodyPr>
         <a:lstStyle/>
         <a:p>
-          <a:pPr marL="0" lvl="0" indent="0" algn="l" defTabSz="1466850">
+          <a:pPr lvl="0" algn="l" defTabSz="1466850">
             <a:lnSpc>
               <a:spcPct val="90000"/>
             </a:lnSpc>
@@ -3009,7 +3097,6 @@
             <a:spcAft>
               <a:spcPct val="35000"/>
             </a:spcAft>
-            <a:buNone/>
           </a:pPr>
           <a:r>
             <a:rPr lang="de-DE" sz="3300" kern="1200" dirty="0"/>
@@ -3110,7 +3197,7 @@
         </a:bodyPr>
         <a:lstStyle/>
         <a:p>
-          <a:pPr marL="0" lvl="0" indent="0" algn="l" defTabSz="1466850">
+          <a:pPr lvl="0" algn="l" defTabSz="1466850">
             <a:lnSpc>
               <a:spcPct val="90000"/>
             </a:lnSpc>
@@ -3120,7 +3207,6 @@
             <a:spcAft>
               <a:spcPct val="35000"/>
             </a:spcAft>
-            <a:buNone/>
           </a:pPr>
           <a:r>
             <a:rPr lang="de-DE" sz="3300" kern="1200"/>
@@ -3221,7 +3307,7 @@
         </a:bodyPr>
         <a:lstStyle/>
         <a:p>
-          <a:pPr marL="0" lvl="0" indent="0" algn="l" defTabSz="1466850">
+          <a:pPr lvl="0" algn="l" defTabSz="1466850">
             <a:lnSpc>
               <a:spcPct val="90000"/>
             </a:lnSpc>
@@ -3231,7 +3317,6 @@
             <a:spcAft>
               <a:spcPct val="35000"/>
             </a:spcAft>
-            <a:buNone/>
           </a:pPr>
           <a:r>
             <a:rPr lang="de-DE" sz="3300" kern="1200"/>
@@ -3332,7 +3417,7 @@
         </a:bodyPr>
         <a:lstStyle/>
         <a:p>
-          <a:pPr marL="0" lvl="0" indent="0" algn="l" defTabSz="1466850">
+          <a:pPr lvl="0" algn="l" defTabSz="1466850">
             <a:lnSpc>
               <a:spcPct val="90000"/>
             </a:lnSpc>
@@ -3342,7 +3427,6 @@
             <a:spcAft>
               <a:spcPct val="35000"/>
             </a:spcAft>
-            <a:buNone/>
           </a:pPr>
           <a:r>
             <a:rPr lang="de-DE" sz="3300" kern="1200"/>
@@ -3476,7 +3560,7 @@
         </a:bodyPr>
         <a:lstStyle/>
         <a:p>
-          <a:pPr marL="0" lvl="0" indent="0" algn="ctr" defTabSz="933450">
+          <a:pPr lvl="0" algn="ctr" defTabSz="933450">
             <a:lnSpc>
               <a:spcPct val="90000"/>
             </a:lnSpc>
@@ -3486,7 +3570,6 @@
             <a:spcAft>
               <a:spcPct val="35000"/>
             </a:spcAft>
-            <a:buNone/>
           </a:pPr>
           <a:r>
             <a:rPr lang="de-DE" sz="2100" kern="1200"/>
@@ -3608,7 +3691,7 @@
         </a:bodyPr>
         <a:lstStyle/>
         <a:p>
-          <a:pPr marL="0" lvl="0" indent="0" algn="ctr" defTabSz="933450">
+          <a:pPr lvl="0" algn="ctr" defTabSz="933450">
             <a:lnSpc>
               <a:spcPct val="90000"/>
             </a:lnSpc>
@@ -3618,7 +3701,6 @@
             <a:spcAft>
               <a:spcPct val="35000"/>
             </a:spcAft>
-            <a:buNone/>
           </a:pPr>
           <a:r>
             <a:rPr lang="de-CH" sz="2100" kern="1200"/>
@@ -3740,7 +3822,7 @@
         </a:bodyPr>
         <a:lstStyle/>
         <a:p>
-          <a:pPr marL="0" lvl="0" indent="0" algn="ctr" defTabSz="933450">
+          <a:pPr lvl="0" algn="ctr" defTabSz="933450">
             <a:lnSpc>
               <a:spcPct val="90000"/>
             </a:lnSpc>
@@ -3750,7 +3832,6 @@
             <a:spcAft>
               <a:spcPct val="35000"/>
             </a:spcAft>
-            <a:buNone/>
           </a:pPr>
           <a:r>
             <a:rPr lang="de-DE" sz="2100" kern="1200"/>
@@ -3872,7 +3953,7 @@
         </a:bodyPr>
         <a:lstStyle/>
         <a:p>
-          <a:pPr marL="0" lvl="0" indent="0" algn="ctr" defTabSz="933450">
+          <a:pPr lvl="0" algn="ctr" defTabSz="933450">
             <a:lnSpc>
               <a:spcPct val="90000"/>
             </a:lnSpc>
@@ -3882,7 +3963,6 @@
             <a:spcAft>
               <a:spcPct val="35000"/>
             </a:spcAft>
-            <a:buNone/>
           </a:pPr>
           <a:r>
             <a:rPr lang="de-DE" sz="2100" kern="1200"/>
@@ -7079,7 +7159,7 @@
           <a:p>
             <a:fld id="{0768839E-9ABE-44B1-8812-D97566EBEF5A}" type="datetimeFigureOut">
               <a:rPr lang="en-US" smtClean="0"/>
-              <a:t>4/29/2019</a:t>
+              <a:t>29-Apr-19</a:t>
             </a:fld>
             <a:endParaRPr lang="en-US"/>
           </a:p>
@@ -7374,6 +7454,104 @@
             <p:ph type="sldImg"/>
           </p:nvPr>
         </p:nvSpPr>
+        <p:spPr>
+          <a:xfrm>
+            <a:off x="381000" y="685800"/>
+            <a:ext cx="6096000" cy="3429000"/>
+          </a:xfrm>
+        </p:spPr>
+      </p:sp>
+      <p:sp>
+        <p:nvSpPr>
+          <p:cNvPr id="3" name="Notizenplatzhalter 2"/>
+          <p:cNvSpPr>
+            <a:spLocks noGrp="1"/>
+          </p:cNvSpPr>
+          <p:nvPr>
+            <p:ph type="body" idx="1"/>
+          </p:nvPr>
+        </p:nvSpPr>
+        <p:spPr/>
+        <p:txBody>
+          <a:bodyPr/>
+          <a:lstStyle/>
+          <a:p>
+            <a:endParaRPr lang="en-US" dirty="0"/>
+          </a:p>
+        </p:txBody>
+      </p:sp>
+      <p:sp>
+        <p:nvSpPr>
+          <p:cNvPr id="4" name="Foliennummernplatzhalter 3"/>
+          <p:cNvSpPr>
+            <a:spLocks noGrp="1"/>
+          </p:cNvSpPr>
+          <p:nvPr>
+            <p:ph type="sldNum" sz="quarter" idx="10"/>
+          </p:nvPr>
+        </p:nvSpPr>
+        <p:spPr/>
+        <p:txBody>
+          <a:bodyPr/>
+          <a:lstStyle/>
+          <a:p>
+            <a:fld id="{25CBCFFD-BB00-CC40-8AFD-EB9D88805DFC}" type="slidenum">
+              <a:rPr lang="en-US" smtClean="0">
+                <a:solidFill>
+                  <a:prstClr val="black"/>
+                </a:solidFill>
+              </a:rPr>
+              <a:pPr/>
+              <a:t>1</a:t>
+            </a:fld>
+            <a:endParaRPr lang="en-US" dirty="0">
+              <a:solidFill>
+                <a:prstClr val="black"/>
+              </a:solidFill>
+            </a:endParaRPr>
+          </a:p>
+        </p:txBody>
+      </p:sp>
+    </p:spTree>
+    <p:extLst>
+      <p:ext uri="{BB962C8B-B14F-4D97-AF65-F5344CB8AC3E}">
+        <p14:creationId xmlns:p14="http://schemas.microsoft.com/office/powerpoint/2010/main" val="2911361562"/>
+      </p:ext>
+    </p:extLst>
+  </p:cSld>
+  <p:clrMapOvr>
+    <a:masterClrMapping/>
+  </p:clrMapOvr>
+</p:notes>
+</file>
+
+<file path=ppt/notesSlides/notesSlide2.xml><?xml version="1.0" encoding="utf-8"?>
+<p:notes xmlns:a="http://schemas.openxmlformats.org/drawingml/2006/main" xmlns:r="http://schemas.openxmlformats.org/officeDocument/2006/relationships" xmlns:p="http://schemas.openxmlformats.org/presentationml/2006/main">
+  <p:cSld>
+    <p:spTree>
+      <p:nvGrpSpPr>
+        <p:cNvPr id="1" name=""/>
+        <p:cNvGrpSpPr/>
+        <p:nvPr/>
+      </p:nvGrpSpPr>
+      <p:grpSpPr>
+        <a:xfrm>
+          <a:off x="0" y="0"/>
+          <a:ext cx="0" cy="0"/>
+          <a:chOff x="0" y="0"/>
+          <a:chExt cx="0" cy="0"/>
+        </a:xfrm>
+      </p:grpSpPr>
+      <p:sp>
+        <p:nvSpPr>
+          <p:cNvPr id="2" name="Folienbildplatzhalter 1"/>
+          <p:cNvSpPr>
+            <a:spLocks noGrp="1" noRot="1" noChangeAspect="1"/>
+          </p:cNvSpPr>
+          <p:nvPr>
+            <p:ph type="sldImg"/>
+          </p:nvPr>
+        </p:nvSpPr>
         <p:spPr/>
       </p:sp>
       <p:sp>
@@ -7451,7 +7629,7 @@
 </p:notes>
 </file>
 
-<file path=ppt/notesSlides/notesSlide2.xml><?xml version="1.0" encoding="utf-8"?>
+<file path=ppt/notesSlides/notesSlide3.xml><?xml version="1.0" encoding="utf-8"?>
 <p:notes xmlns:a="http://schemas.openxmlformats.org/drawingml/2006/main" xmlns:r="http://schemas.openxmlformats.org/officeDocument/2006/relationships" xmlns:p="http://schemas.openxmlformats.org/presentationml/2006/main">
   <p:cSld>
     <p:spTree>
@@ -7674,7 +7852,7 @@
           <a:p>
             <a:fld id="{FF8BD09B-114E-41DF-9857-BBB927787DA6}" type="datetimeFigureOut">
               <a:rPr lang="en-US" smtClean="0"/>
-              <a:t>4/29/2019</a:t>
+              <a:t>29-Apr-19</a:t>
             </a:fld>
             <a:endParaRPr lang="en-US"/>
           </a:p>
@@ -7844,7 +8022,7 @@
           <a:p>
             <a:fld id="{FF8BD09B-114E-41DF-9857-BBB927787DA6}" type="datetimeFigureOut">
               <a:rPr lang="en-US" smtClean="0"/>
-              <a:t>4/29/2019</a:t>
+              <a:t>29-Apr-19</a:t>
             </a:fld>
             <a:endParaRPr lang="en-US"/>
           </a:p>
@@ -8024,7 +8202,7 @@
           <a:p>
             <a:fld id="{FF8BD09B-114E-41DF-9857-BBB927787DA6}" type="datetimeFigureOut">
               <a:rPr lang="en-US" smtClean="0"/>
-              <a:t>4/29/2019</a:t>
+              <a:t>29-Apr-19</a:t>
             </a:fld>
             <a:endParaRPr lang="en-US"/>
           </a:p>
@@ -8076,6 +8254,350 @@
     <p:extLst>
       <p:ext uri="{BB962C8B-B14F-4D97-AF65-F5344CB8AC3E}">
         <p14:creationId xmlns:p14="http://schemas.microsoft.com/office/powerpoint/2010/main" val="2017808861"/>
+      </p:ext>
+    </p:extLst>
+  </p:cSld>
+  <p:clrMapOvr>
+    <a:masterClrMapping/>
+  </p:clrMapOvr>
+</p:sldLayout>
+</file>
+
+<file path=ppt/slideLayouts/slideLayout12.xml><?xml version="1.0" encoding="utf-8"?>
+<p:sldLayout xmlns:a="http://schemas.openxmlformats.org/drawingml/2006/main" xmlns:r="http://schemas.openxmlformats.org/officeDocument/2006/relationships" xmlns:p="http://schemas.openxmlformats.org/presentationml/2006/main" userDrawn="1">
+  <p:cSld name="Title Slide With Image Version 1">
+    <p:bg>
+      <p:bgPr>
+        <a:solidFill>
+          <a:schemeClr val="bg1"/>
+        </a:solidFill>
+        <a:effectLst/>
+      </p:bgPr>
+    </p:bg>
+    <p:spTree>
+      <p:nvGrpSpPr>
+        <p:cNvPr id="1" name=""/>
+        <p:cNvGrpSpPr/>
+        <p:nvPr/>
+      </p:nvGrpSpPr>
+      <p:grpSpPr>
+        <a:xfrm>
+          <a:off x="0" y="0"/>
+          <a:ext cx="0" cy="0"/>
+          <a:chOff x="0" y="0"/>
+          <a:chExt cx="0" cy="0"/>
+        </a:xfrm>
+      </p:grpSpPr>
+      <p:graphicFrame>
+        <p:nvGraphicFramePr>
+          <p:cNvPr id="7" name="Objekt 6" hidden="1"/>
+          <p:cNvGraphicFramePr>
+            <a:graphicFrameLocks noChangeAspect="1"/>
+          </p:cNvGraphicFramePr>
+          <p:nvPr userDrawn="1">
+            <p:custDataLst>
+              <p:tags r:id="rId2"/>
+            </p:custDataLst>
+            <p:extLst/>
+          </p:nvPr>
+        </p:nvGraphicFramePr>
+        <p:xfrm>
+          <a:off x="2122" y="1589"/>
+          <a:ext cx="2116" cy="1587"/>
+        </p:xfrm>
+        <a:graphic>
+          <a:graphicData uri="http://schemas.openxmlformats.org/presentationml/2006/ole">
+            <mc:AlternateContent xmlns:mc="http://schemas.openxmlformats.org/markup-compatibility/2006">
+              <mc:Choice xmlns:v="urn:schemas-microsoft-com:vml" Requires="v">
+                <p:oleObj spid="_x0000_s1026" name="think-cell Folie" r:id="rId4" imgW="270" imgH="270" progId="TCLayout.ActiveDocument.1">
+                  <p:embed/>
+                </p:oleObj>
+              </mc:Choice>
+              <mc:Fallback>
+                <p:oleObj name="think-cell Folie" r:id="rId4" imgW="270" imgH="270" progId="TCLayout.ActiveDocument.1">
+                  <p:embed/>
+                  <p:pic>
+                    <p:nvPicPr>
+                      <p:cNvPr id="7" name="Objekt 6" hidden="1"/>
+                      <p:cNvPicPr/>
+                      <p:nvPr/>
+                    </p:nvPicPr>
+                    <p:blipFill>
+                      <a:blip r:embed="rId5"/>
+                      <a:stretch>
+                        <a:fillRect/>
+                      </a:stretch>
+                    </p:blipFill>
+                    <p:spPr>
+                      <a:xfrm>
+                        <a:off x="2122" y="1589"/>
+                        <a:ext cx="2116" cy="1587"/>
+                      </a:xfrm>
+                      <a:prstGeom prst="rect">
+                        <a:avLst/>
+                      </a:prstGeom>
+                    </p:spPr>
+                  </p:pic>
+                </p:oleObj>
+              </mc:Fallback>
+            </mc:AlternateContent>
+          </a:graphicData>
+        </a:graphic>
+      </p:graphicFrame>
+      <p:sp>
+        <p:nvSpPr>
+          <p:cNvPr id="5" name="Bildplatzhalter 4"/>
+          <p:cNvSpPr>
+            <a:spLocks noGrp="1"/>
+          </p:cNvSpPr>
+          <p:nvPr>
+            <p:ph type="pic" sz="quarter" idx="15" hasCustomPrompt="1"/>
+          </p:nvPr>
+        </p:nvSpPr>
+        <p:spPr>
+          <a:xfrm>
+            <a:off x="0" y="981075"/>
+            <a:ext cx="12192000" cy="5876925"/>
+          </a:xfrm>
+          <a:solidFill>
+            <a:schemeClr val="bg2"/>
+          </a:solidFill>
+        </p:spPr>
+        <p:txBody>
+          <a:bodyPr/>
+          <a:lstStyle>
+            <a:lvl1pPr>
+              <a:defRPr/>
+            </a:lvl1pPr>
+          </a:lstStyle>
+          <a:p>
+            <a:r>
+              <a:rPr lang="de-DE" dirty="0"/>
+              <a:t>Picture</a:t>
+            </a:r>
+          </a:p>
+        </p:txBody>
+      </p:sp>
+      <p:sp>
+        <p:nvSpPr>
+          <p:cNvPr id="6" name="Textplatzhalter 5"/>
+          <p:cNvSpPr>
+            <a:spLocks noGrp="1"/>
+          </p:cNvSpPr>
+          <p:nvPr>
+            <p:ph type="body" sz="quarter" idx="12" hasCustomPrompt="1"/>
+          </p:nvPr>
+        </p:nvSpPr>
+        <p:spPr>
+          <a:xfrm>
+            <a:off x="456390" y="4394120"/>
+            <a:ext cx="5639610" cy="1555200"/>
+          </a:xfrm>
+          <a:prstGeom prst="rect">
+            <a:avLst/>
+          </a:prstGeom>
+          <a:solidFill>
+            <a:schemeClr val="accent1"/>
+          </a:solidFill>
+        </p:spPr>
+        <p:txBody>
+          <a:bodyPr lIns="90000" tIns="46800" rIns="18000" bIns="46800">
+            <a:noAutofit/>
+          </a:bodyPr>
+          <a:lstStyle>
+            <a:lvl1pPr marL="0" indent="0">
+              <a:buFont typeface="Arial" panose="020B0604020202020204" pitchFamily="34" charset="0"/>
+              <a:buNone/>
+              <a:defRPr lang="de-DE" sz="3200" cap="all" baseline="0" dirty="0" smtClean="0">
+                <a:solidFill>
+                  <a:schemeClr val="bg1"/>
+                </a:solidFill>
+                <a:latin typeface="+mj-lt"/>
+                <a:ea typeface="+mj-ea"/>
+                <a:cs typeface="+mj-cs"/>
+              </a:defRPr>
+            </a:lvl1pPr>
+          </a:lstStyle>
+          <a:p>
+            <a:pPr lvl="0">
+              <a:lnSpc>
+                <a:spcPct val="100000"/>
+              </a:lnSpc>
+              <a:spcBef>
+                <a:spcPct val="0"/>
+              </a:spcBef>
+              <a:spcAft>
+                <a:spcPts val="0"/>
+              </a:spcAft>
+            </a:pPr>
+            <a:r>
+              <a:rPr lang="de-DE" dirty="0" err="1"/>
+              <a:t>add</a:t>
+            </a:r>
+            <a:r>
+              <a:rPr lang="de-DE" dirty="0"/>
+              <a:t> </a:t>
+            </a:r>
+            <a:r>
+              <a:rPr lang="de-DE" dirty="0" err="1"/>
+              <a:t>presentation</a:t>
+            </a:r>
+            <a:r>
+              <a:rPr lang="de-DE" dirty="0"/>
+              <a:t> title</a:t>
+            </a:r>
+          </a:p>
+        </p:txBody>
+      </p:sp>
+      <p:sp>
+        <p:nvSpPr>
+          <p:cNvPr id="3" name="Textplatzhalter 2"/>
+          <p:cNvSpPr>
+            <a:spLocks noGrp="1"/>
+          </p:cNvSpPr>
+          <p:nvPr>
+            <p:ph type="body" sz="quarter" idx="13" hasCustomPrompt="1"/>
+          </p:nvPr>
+        </p:nvSpPr>
+        <p:spPr>
+          <a:xfrm>
+            <a:off x="456390" y="5949320"/>
+            <a:ext cx="2831783" cy="360000"/>
+          </a:xfrm>
+          <a:prstGeom prst="rect">
+            <a:avLst/>
+          </a:prstGeom>
+          <a:solidFill>
+            <a:schemeClr val="accent1"/>
+          </a:solidFill>
+        </p:spPr>
+        <p:txBody>
+          <a:bodyPr lIns="90000" tIns="46800" rIns="18000" bIns="46800" anchor="ctr">
+            <a:noAutofit/>
+          </a:bodyPr>
+          <a:lstStyle>
+            <a:lvl1pPr marL="0" indent="0">
+              <a:buFont typeface="Arial" panose="020B0604020202020204" pitchFamily="34" charset="0"/>
+              <a:buNone/>
+              <a:defRPr sz="1800">
+                <a:solidFill>
+                  <a:schemeClr val="bg1"/>
+                </a:solidFill>
+              </a:defRPr>
+            </a:lvl1pPr>
+          </a:lstStyle>
+          <a:p>
+            <a:pPr lvl="0"/>
+            <a:r>
+              <a:rPr lang="de-DE" dirty="0" err="1"/>
+              <a:t>Author</a:t>
+            </a:r>
+            <a:r>
+              <a:rPr lang="de-DE" dirty="0"/>
+              <a:t>: Calibri / 18pt</a:t>
+            </a:r>
+          </a:p>
+        </p:txBody>
+      </p:sp>
+      <p:sp>
+        <p:nvSpPr>
+          <p:cNvPr id="10" name="Textplatzhalter 2"/>
+          <p:cNvSpPr>
+            <a:spLocks noGrp="1"/>
+          </p:cNvSpPr>
+          <p:nvPr>
+            <p:ph type="body" sz="quarter" idx="16" hasCustomPrompt="1"/>
+          </p:nvPr>
+        </p:nvSpPr>
+        <p:spPr>
+          <a:xfrm>
+            <a:off x="3288173" y="5949320"/>
+            <a:ext cx="2807827" cy="360000"/>
+          </a:xfrm>
+          <a:prstGeom prst="rect">
+            <a:avLst/>
+          </a:prstGeom>
+          <a:solidFill>
+            <a:schemeClr val="accent1"/>
+          </a:solidFill>
+        </p:spPr>
+        <p:txBody>
+          <a:bodyPr lIns="90000" tIns="46800" rIns="18000" bIns="46800" anchor="ctr">
+            <a:noAutofit/>
+          </a:bodyPr>
+          <a:lstStyle>
+            <a:lvl1pPr marL="0" indent="0">
+              <a:buFont typeface="Arial" panose="020B0604020202020204" pitchFamily="34" charset="0"/>
+              <a:buNone/>
+              <a:defRPr sz="1800">
+                <a:solidFill>
+                  <a:schemeClr val="bg1"/>
+                </a:solidFill>
+              </a:defRPr>
+            </a:lvl1pPr>
+          </a:lstStyle>
+          <a:p>
+            <a:pPr lvl="0"/>
+            <a:r>
+              <a:rPr lang="de-DE" dirty="0"/>
+              <a:t>Date: </a:t>
+            </a:r>
+          </a:p>
+        </p:txBody>
+      </p:sp>
+      <p:sp>
+        <p:nvSpPr>
+          <p:cNvPr id="12" name="Foliennummernplatzhalter 3"/>
+          <p:cNvSpPr>
+            <a:spLocks noGrp="1"/>
+          </p:cNvSpPr>
+          <p:nvPr>
+            <p:ph type="sldNum" sz="quarter" idx="4"/>
+          </p:nvPr>
+        </p:nvSpPr>
+        <p:spPr>
+          <a:xfrm>
+            <a:off x="7888288" y="6533278"/>
+            <a:ext cx="3860800" cy="123111"/>
+          </a:xfrm>
+          <a:prstGeom prst="rect">
+            <a:avLst/>
+          </a:prstGeom>
+        </p:spPr>
+        <p:txBody>
+          <a:bodyPr vert="horz" lIns="0" tIns="0" rIns="0" bIns="0" rtlCol="0" anchor="ctr">
+            <a:noAutofit/>
+          </a:bodyPr>
+          <a:lstStyle>
+            <a:lvl1pPr>
+              <a:defRPr lang="en-GB" sz="800" b="0" i="0" smtClean="0">
+                <a:solidFill>
+                  <a:srgbClr val="A8ABAE"/>
+                </a:solidFill>
+                <a:latin typeface="Calibri Light"/>
+                <a:cs typeface="Calibri Light"/>
+              </a:defRPr>
+            </a:lvl1pPr>
+          </a:lstStyle>
+          <a:p>
+            <a:pPr algn="r"/>
+            <a:r>
+              <a:rPr lang="de-DE" dirty="0"/>
+              <a:t>Page: </a:t>
+            </a:r>
+            <a:fld id="{880C08D8-3920-4F40-B183-C9516F93571F}" type="slidenum">
+              <a:rPr/>
+              <a:pPr algn="r"/>
+              <a:t>‹Nr.›</a:t>
+            </a:fld>
+            <a:endParaRPr dirty="0"/>
+          </a:p>
+        </p:txBody>
+      </p:sp>
+    </p:spTree>
+    <p:extLst>
+      <p:ext uri="{BB962C8B-B14F-4D97-AF65-F5344CB8AC3E}">
+        <p14:creationId xmlns:p14="http://schemas.microsoft.com/office/powerpoint/2010/main" val="2352220624"/>
       </p:ext>
     </p:extLst>
   </p:cSld>
@@ -8194,7 +8716,7 @@
           <a:p>
             <a:fld id="{FF8BD09B-114E-41DF-9857-BBB927787DA6}" type="datetimeFigureOut">
               <a:rPr lang="en-US" smtClean="0"/>
-              <a:t>4/29/2019</a:t>
+              <a:t>29-Apr-19</a:t>
             </a:fld>
             <a:endParaRPr lang="en-US"/>
           </a:p>
@@ -8440,7 +8962,7 @@
           <a:p>
             <a:fld id="{FF8BD09B-114E-41DF-9857-BBB927787DA6}" type="datetimeFigureOut">
               <a:rPr lang="en-US" smtClean="0"/>
-              <a:t>4/29/2019</a:t>
+              <a:t>29-Apr-19</a:t>
             </a:fld>
             <a:endParaRPr lang="en-US"/>
           </a:p>
@@ -8672,7 +9194,7 @@
           <a:p>
             <a:fld id="{FF8BD09B-114E-41DF-9857-BBB927787DA6}" type="datetimeFigureOut">
               <a:rPr lang="en-US" smtClean="0"/>
-              <a:t>4/29/2019</a:t>
+              <a:t>29-Apr-19</a:t>
             </a:fld>
             <a:endParaRPr lang="en-US"/>
           </a:p>
@@ -9039,7 +9561,7 @@
           <a:p>
             <a:fld id="{FF8BD09B-114E-41DF-9857-BBB927787DA6}" type="datetimeFigureOut">
               <a:rPr lang="en-US" smtClean="0"/>
-              <a:t>4/29/2019</a:t>
+              <a:t>29-Apr-19</a:t>
             </a:fld>
             <a:endParaRPr lang="en-US"/>
           </a:p>
@@ -9157,7 +9679,7 @@
           <a:p>
             <a:fld id="{FF8BD09B-114E-41DF-9857-BBB927787DA6}" type="datetimeFigureOut">
               <a:rPr lang="en-US" smtClean="0"/>
-              <a:t>4/29/2019</a:t>
+              <a:t>29-Apr-19</a:t>
             </a:fld>
             <a:endParaRPr lang="en-US"/>
           </a:p>
@@ -9252,7 +9774,7 @@
           <a:p>
             <a:fld id="{FF8BD09B-114E-41DF-9857-BBB927787DA6}" type="datetimeFigureOut">
               <a:rPr lang="en-US" smtClean="0"/>
-              <a:t>4/29/2019</a:t>
+              <a:t>29-Apr-19</a:t>
             </a:fld>
             <a:endParaRPr lang="en-US"/>
           </a:p>
@@ -9529,7 +10051,7 @@
           <a:p>
             <a:fld id="{FF8BD09B-114E-41DF-9857-BBB927787DA6}" type="datetimeFigureOut">
               <a:rPr lang="en-US" smtClean="0"/>
-              <a:t>4/29/2019</a:t>
+              <a:t>29-Apr-19</a:t>
             </a:fld>
             <a:endParaRPr lang="en-US"/>
           </a:p>
@@ -9782,7 +10304,7 @@
           <a:p>
             <a:fld id="{FF8BD09B-114E-41DF-9857-BBB927787DA6}" type="datetimeFigureOut">
               <a:rPr lang="en-US" smtClean="0"/>
-              <a:t>4/29/2019</a:t>
+              <a:t>29-Apr-19</a:t>
             </a:fld>
             <a:endParaRPr lang="en-US"/>
           </a:p>
@@ -9995,7 +10517,7 @@
           <a:p>
             <a:fld id="{FF8BD09B-114E-41DF-9857-BBB927787DA6}" type="datetimeFigureOut">
               <a:rPr lang="en-US" smtClean="0"/>
-              <a:t>4/29/2019</a:t>
+              <a:t>29-Apr-19</a:t>
             </a:fld>
             <a:endParaRPr lang="en-US"/>
           </a:p>
@@ -10099,6 +10621,7 @@
     <p:sldLayoutId id="2147483657" r:id="rId9"/>
     <p:sldLayoutId id="2147483658" r:id="rId10"/>
     <p:sldLayoutId id="2147483659" r:id="rId11"/>
+    <p:sldLayoutId id="2147483660" r:id="rId12"/>
   </p:sldLayoutIdLst>
   <p:txStyles>
     <p:titleStyle>
@@ -10400,23 +10923,113 @@
           <a:chExt cx="0" cy="0"/>
         </a:xfrm>
       </p:grpSpPr>
+      <p:pic>
+        <p:nvPicPr>
+          <p:cNvPr id="2" name="Bildplatzhalter 1"/>
+          <p:cNvPicPr>
+            <a:picLocks noGrp="1" noChangeAspect="1"/>
+          </p:cNvPicPr>
+          <p:nvPr>
+            <p:ph type="pic" sz="quarter" idx="15"/>
+          </p:nvPr>
+        </p:nvPicPr>
+        <p:blipFill>
+          <a:blip r:embed="rId5">
+            <a:extLst>
+              <a:ext uri="{28A0092B-C50C-407E-A947-70E740481C1C}">
+                <a14:useLocalDpi xmlns:a14="http://schemas.microsoft.com/office/drawing/2010/main" val="0"/>
+              </a:ext>
+            </a:extLst>
+          </a:blip>
+          <a:srcRect t="1037" b="1037"/>
+          <a:stretch>
+            <a:fillRect/>
+          </a:stretch>
+        </p:blipFill>
+        <p:spPr/>
+      </p:pic>
+      <p:graphicFrame>
+        <p:nvGraphicFramePr>
+          <p:cNvPr id="7" name="Objekt 6" hidden="1"/>
+          <p:cNvGraphicFramePr>
+            <a:graphicFrameLocks noChangeAspect="1"/>
+          </p:cNvGraphicFramePr>
+          <p:nvPr>
+            <p:custDataLst>
+              <p:tags r:id="rId2"/>
+            </p:custDataLst>
+            <p:extLst/>
+          </p:nvPr>
+        </p:nvGraphicFramePr>
+        <p:xfrm>
+          <a:off x="1525589" y="1589"/>
+          <a:ext cx="1587" cy="1587"/>
+        </p:xfrm>
+        <a:graphic>
+          <a:graphicData uri="http://schemas.openxmlformats.org/presentationml/2006/ole">
+            <mc:AlternateContent xmlns:mc="http://schemas.openxmlformats.org/markup-compatibility/2006">
+              <mc:Choice xmlns:v="urn:schemas-microsoft-com:vml" Requires="v">
+                <p:oleObj spid="_x0000_s2050" name="think-cell Folie" r:id="rId6" imgW="270" imgH="270" progId="TCLayout.ActiveDocument.1">
+                  <p:embed/>
+                </p:oleObj>
+              </mc:Choice>
+              <mc:Fallback>
+                <p:oleObj name="think-cell Folie" r:id="rId6" imgW="270" imgH="270" progId="TCLayout.ActiveDocument.1">
+                  <p:embed/>
+                  <p:pic>
+                    <p:nvPicPr>
+                      <p:cNvPr id="7" name="Objekt 6" hidden="1"/>
+                      <p:cNvPicPr/>
+                      <p:nvPr/>
+                    </p:nvPicPr>
+                    <p:blipFill>
+                      <a:blip r:embed="rId7"/>
+                      <a:stretch>
+                        <a:fillRect/>
+                      </a:stretch>
+                    </p:blipFill>
+                    <p:spPr>
+                      <a:xfrm>
+                        <a:off x="1525589" y="1589"/>
+                        <a:ext cx="1587" cy="1587"/>
+                      </a:xfrm>
+                      <a:prstGeom prst="rect">
+                        <a:avLst/>
+                      </a:prstGeom>
+                    </p:spPr>
+                  </p:pic>
+                </p:oleObj>
+              </mc:Fallback>
+            </mc:AlternateContent>
+          </a:graphicData>
+        </a:graphic>
+      </p:graphicFrame>
       <p:sp>
         <p:nvSpPr>
-          <p:cNvPr id="2" name="Titel 1"/>
+          <p:cNvPr id="3" name="Textplatzhalter 2"/>
           <p:cNvSpPr>
             <a:spLocks noGrp="1"/>
           </p:cNvSpPr>
           <p:nvPr>
-            <p:ph type="ctrTitle"/>
+            <p:ph type="body" sz="quarter" idx="12"/>
           </p:nvPr>
         </p:nvSpPr>
-        <p:spPr/>
+        <p:spPr>
+          <a:solidFill>
+            <a:srgbClr val="E1001E"/>
+          </a:solidFill>
+          <a:ln>
+            <a:solidFill>
+              <a:srgbClr val="E1001E"/>
+            </a:solidFill>
+          </a:ln>
+        </p:spPr>
         <p:txBody>
           <a:bodyPr/>
           <a:lstStyle/>
           <a:p>
             <a:r>
-              <a:rPr lang="de-DE" dirty="0"/>
+              <a:rPr lang="de-CH" dirty="0" smtClean="0"/>
               <a:t>Kippstation</a:t>
             </a:r>
             <a:endParaRPr lang="en-US" dirty="0"/>
@@ -10425,37 +11038,146 @@
       </p:sp>
       <p:sp>
         <p:nvSpPr>
-          <p:cNvPr id="3" name="Untertitel 2"/>
+          <p:cNvPr id="4" name="Textplatzhalter 3"/>
           <p:cNvSpPr>
             <a:spLocks noGrp="1"/>
           </p:cNvSpPr>
           <p:nvPr>
-            <p:ph type="subTitle" idx="1"/>
+            <p:ph type="body" sz="quarter" idx="13"/>
           </p:nvPr>
         </p:nvSpPr>
-        <p:spPr/>
+        <p:spPr>
+          <a:solidFill>
+            <a:srgbClr val="E1001E"/>
+          </a:solidFill>
+          <a:ln>
+            <a:solidFill>
+              <a:srgbClr val="E1001E"/>
+            </a:solidFill>
+          </a:ln>
+        </p:spPr>
         <p:txBody>
           <a:bodyPr/>
           <a:lstStyle/>
           <a:p>
             <a:r>
-              <a:rPr lang="de-DE" dirty="0"/>
+              <a:rPr lang="de-CH" dirty="0" smtClean="0"/>
               <a:t>Luca Schäfli</a:t>
             </a:r>
             <a:endParaRPr lang="en-US" dirty="0"/>
           </a:p>
         </p:txBody>
       </p:sp>
+      <p:sp>
+        <p:nvSpPr>
+          <p:cNvPr id="6" name="Textplatzhalter 5"/>
+          <p:cNvSpPr>
+            <a:spLocks noGrp="1"/>
+          </p:cNvSpPr>
+          <p:nvPr>
+            <p:ph type="body" sz="quarter" idx="16"/>
+          </p:nvPr>
+        </p:nvSpPr>
+        <p:spPr>
+          <a:solidFill>
+            <a:srgbClr val="E1001E"/>
+          </a:solidFill>
+          <a:ln>
+            <a:solidFill>
+              <a:srgbClr val="E1001E"/>
+            </a:solidFill>
+          </a:ln>
+        </p:spPr>
+        <p:txBody>
+          <a:bodyPr/>
+          <a:lstStyle/>
+          <a:p>
+            <a:r>
+              <a:rPr lang="de-CH" dirty="0" smtClean="0"/>
+              <a:t>03.05.2019</a:t>
+            </a:r>
+            <a:endParaRPr lang="en-US" dirty="0"/>
+          </a:p>
+        </p:txBody>
+      </p:sp>
+      <p:sp>
+        <p:nvSpPr>
+          <p:cNvPr id="9" name="BainBulletsConfiguration" hidden="1"/>
+          <p:cNvSpPr txBox="1"/>
+          <p:nvPr/>
+        </p:nvSpPr>
+        <p:spPr>
+          <a:xfrm>
+            <a:off x="1536701" y="12701"/>
+            <a:ext cx="65" cy="20455"/>
+          </a:xfrm>
+          <a:prstGeom prst="rect">
+            <a:avLst/>
+          </a:prstGeom>
+          <a:noFill/>
+        </p:spPr>
+        <p:txBody>
+          <a:bodyPr vert="horz" wrap="none" lIns="0" tIns="0" rIns="0" bIns="0" rtlCol="0">
+            <a:spAutoFit/>
+          </a:bodyPr>
+          <a:lstStyle/>
+          <a:p>
+            <a:pPr defTabSz="609529"/>
+            <a:endParaRPr lang="en-US" sz="133" dirty="0" err="1">
+              <a:solidFill>
+                <a:srgbClr val="FFFFFF"/>
+              </a:solidFill>
+            </a:endParaRPr>
+          </a:p>
+        </p:txBody>
+      </p:sp>
+      <p:pic>
+        <p:nvPicPr>
+          <p:cNvPr id="8" name="Grafik 7"/>
+          <p:cNvPicPr>
+            <a:picLocks noChangeAspect="1"/>
+          </p:cNvPicPr>
+          <p:nvPr/>
+        </p:nvPicPr>
+        <p:blipFill>
+          <a:blip r:embed="rId8" cstate="print">
+            <a:extLst>
+              <a:ext uri="{28A0092B-C50C-407E-A947-70E740481C1C}">
+                <a14:useLocalDpi xmlns:a14="http://schemas.microsoft.com/office/drawing/2010/main" val="0"/>
+              </a:ext>
+            </a:extLst>
+          </a:blip>
+          <a:stretch>
+            <a:fillRect/>
+          </a:stretch>
+        </p:blipFill>
+        <p:spPr>
+          <a:xfrm>
+            <a:off x="9962148" y="308249"/>
+            <a:ext cx="2070234" cy="672826"/>
+          </a:xfrm>
+          <a:prstGeom prst="rect">
+            <a:avLst/>
+          </a:prstGeom>
+        </p:spPr>
+      </p:pic>
     </p:spTree>
     <p:extLst>
       <p:ext uri="{BB962C8B-B14F-4D97-AF65-F5344CB8AC3E}">
-        <p14:creationId xmlns:p14="http://schemas.microsoft.com/office/powerpoint/2010/main" val="3973600277"/>
+        <p14:creationId xmlns:p14="http://schemas.microsoft.com/office/powerpoint/2010/main" val="403874665"/>
       </p:ext>
     </p:extLst>
   </p:cSld>
   <p:clrMapOvr>
     <a:masterClrMapping/>
   </p:clrMapOvr>
+  <p:timing>
+    <p:tnLst>
+      <p:par>
+        <p:cTn id="1" dur="indefinite" restart="never" nodeType="tmRoot"/>
+      </p:par>
+    </p:tnLst>
+  </p:timing>
 </p:sld>
 </file>
 
@@ -15754,7 +16476,7 @@
                 <a16:creationId xmlns:a16="http://schemas.microsoft.com/office/drawing/2014/main" id="{1E214AA7-F028-4A0D-8698-61AEC754D1BC}"/>
               </a:ext>
               <a:ext uri="{C183D7F6-B498-43B3-948B-1728B52AA6E4}">
-                <adec:decorative xmlns:adec="http://schemas.microsoft.com/office/drawing/2017/decorative" val="1"/>
+                <adec:decorative xmlns:adec="http://schemas.microsoft.com/office/drawing/2017/decorative" xmlns="" val="1"/>
               </a:ext>
             </a:extLst>
           </p:cNvPr>
@@ -15942,7 +16664,7 @@
                 <a16:creationId xmlns:a16="http://schemas.microsoft.com/office/drawing/2014/main" id="{D6206FDC-2777-4D7F-AF9C-73413DA664C9}"/>
               </a:ext>
               <a:ext uri="{C183D7F6-B498-43B3-948B-1728B52AA6E4}">
-                <adec:decorative xmlns:adec="http://schemas.microsoft.com/office/drawing/2017/decorative" val="1"/>
+                <adec:decorative xmlns:adec="http://schemas.microsoft.com/office/drawing/2017/decorative" xmlns="" val="1"/>
               </a:ext>
             </a:extLst>
           </p:cNvPr>
@@ -16145,7 +16867,7 @@
                 <a16:creationId xmlns:a16="http://schemas.microsoft.com/office/drawing/2014/main" id="{867D4867-5BA7-4462-B2F6-A23F4A622AA7}"/>
               </a:ext>
               <a:ext uri="{C183D7F6-B498-43B3-948B-1728B52AA6E4}">
-                <adec:decorative xmlns:adec="http://schemas.microsoft.com/office/drawing/2017/decorative" val="1"/>
+                <adec:decorative xmlns:adec="http://schemas.microsoft.com/office/drawing/2017/decorative" xmlns="" val="1"/>
               </a:ext>
             </a:extLst>
           </p:cNvPr>
@@ -16387,7 +17109,7 @@
                 <a16:creationId xmlns:a16="http://schemas.microsoft.com/office/drawing/2014/main" id="{6753252F-4873-4F63-801D-CC719279A7D5}"/>
               </a:ext>
               <a:ext uri="{C183D7F6-B498-43B3-948B-1728B52AA6E4}">
-                <adec:decorative xmlns:adec="http://schemas.microsoft.com/office/drawing/2017/decorative" val="1"/>
+                <adec:decorative xmlns:adec="http://schemas.microsoft.com/office/drawing/2017/decorative" xmlns="" val="1"/>
               </a:ext>
             </a:extLst>
           </p:cNvPr>
@@ -16450,7 +17172,7 @@
                 <a16:creationId xmlns:a16="http://schemas.microsoft.com/office/drawing/2014/main" id="{047C8CCB-F95D-4249-92DD-651249D3535A}"/>
               </a:ext>
               <a:ext uri="{C183D7F6-B498-43B3-948B-1728B52AA6E4}">
-                <adec:decorative xmlns:adec="http://schemas.microsoft.com/office/drawing/2017/decorative" val="1"/>
+                <adec:decorative xmlns:adec="http://schemas.microsoft.com/office/drawing/2017/decorative" xmlns="" val="1"/>
               </a:ext>
             </a:extLst>
           </p:cNvPr>
@@ -16625,7 +17347,7 @@
                 <a16:creationId xmlns:a16="http://schemas.microsoft.com/office/drawing/2014/main" id="{46C2E80F-49A6-4372-B103-219D417A55ED}"/>
               </a:ext>
               <a:ext uri="{C183D7F6-B498-43B3-948B-1728B52AA6E4}">
-                <adec:decorative xmlns:adec="http://schemas.microsoft.com/office/drawing/2017/decorative" val="1"/>
+                <adec:decorative xmlns:adec="http://schemas.microsoft.com/office/drawing/2017/decorative" xmlns="" val="1"/>
               </a:ext>
             </a:extLst>
           </p:cNvPr>
@@ -17210,7 +17932,7 @@
                 <a16:creationId xmlns:a16="http://schemas.microsoft.com/office/drawing/2014/main" id="{876248C8-0720-48AB-91BA-5F530BB41E5E}"/>
               </a:ext>
               <a:ext uri="{C183D7F6-B498-43B3-948B-1728B52AA6E4}">
-                <adec:decorative xmlns:adec="http://schemas.microsoft.com/office/drawing/2017/decorative" val="1"/>
+                <adec:decorative xmlns:adec="http://schemas.microsoft.com/office/drawing/2017/decorative" xmlns="" val="1"/>
               </a:ext>
             </a:extLst>
           </p:cNvPr>
@@ -17329,7 +18051,7 @@
                 <a16:creationId xmlns:a16="http://schemas.microsoft.com/office/drawing/2014/main" id="{523BEDA7-D0B8-4802-8168-92452653BC9F}"/>
               </a:ext>
               <a:ext uri="{C183D7F6-B498-43B3-948B-1728B52AA6E4}">
-                <adec:decorative xmlns:adec="http://schemas.microsoft.com/office/drawing/2017/decorative" val="1"/>
+                <adec:decorative xmlns:adec="http://schemas.microsoft.com/office/drawing/2017/decorative" xmlns="" val="1"/>
               </a:ext>
             </a:extLst>
           </p:cNvPr>
@@ -17386,7 +18108,7 @@
                 <a16:creationId xmlns:a16="http://schemas.microsoft.com/office/drawing/2014/main" id="{D2EFF34B-7B1A-4F9D-8CEE-A40962BC7C21}"/>
               </a:ext>
               <a:ext uri="{C183D7F6-B498-43B3-948B-1728B52AA6E4}">
-                <adec:decorative xmlns:adec="http://schemas.microsoft.com/office/drawing/2017/decorative" val="1"/>
+                <adec:decorative xmlns:adec="http://schemas.microsoft.com/office/drawing/2017/decorative" xmlns="" val="1"/>
               </a:ext>
             </a:extLst>
           </p:cNvPr>
@@ -20472,7 +21194,7 @@
                 <a16:creationId xmlns:a16="http://schemas.microsoft.com/office/drawing/2014/main" id="{876248C8-0720-48AB-91BA-5F530BB41E5E}"/>
               </a:ext>
               <a:ext uri="{C183D7F6-B498-43B3-948B-1728B52AA6E4}">
-                <adec:decorative xmlns:adec="http://schemas.microsoft.com/office/drawing/2017/decorative" val="1"/>
+                <adec:decorative xmlns:adec="http://schemas.microsoft.com/office/drawing/2017/decorative" xmlns="" val="1"/>
               </a:ext>
             </a:extLst>
           </p:cNvPr>
@@ -20591,7 +21313,7 @@
                 <a16:creationId xmlns:a16="http://schemas.microsoft.com/office/drawing/2014/main" id="{523BEDA7-D0B8-4802-8168-92452653BC9F}"/>
               </a:ext>
               <a:ext uri="{C183D7F6-B498-43B3-948B-1728B52AA6E4}">
-                <adec:decorative xmlns:adec="http://schemas.microsoft.com/office/drawing/2017/decorative" val="1"/>
+                <adec:decorative xmlns:adec="http://schemas.microsoft.com/office/drawing/2017/decorative" xmlns="" val="1"/>
               </a:ext>
             </a:extLst>
           </p:cNvPr>
@@ -20648,7 +21370,7 @@
                 <a16:creationId xmlns:a16="http://schemas.microsoft.com/office/drawing/2014/main" id="{D2EFF34B-7B1A-4F9D-8CEE-A40962BC7C21}"/>
               </a:ext>
               <a:ext uri="{C183D7F6-B498-43B3-948B-1728B52AA6E4}">
-                <adec:decorative xmlns:adec="http://schemas.microsoft.com/office/drawing/2017/decorative" val="1"/>
+                <adec:decorative xmlns:adec="http://schemas.microsoft.com/office/drawing/2017/decorative" xmlns="" val="1"/>
               </a:ext>
             </a:extLst>
           </p:cNvPr>
@@ -22364,7 +23086,7 @@
                 <a16:creationId xmlns:a16="http://schemas.microsoft.com/office/drawing/2014/main" id="{876248C8-0720-48AB-91BA-5F530BB41E5E}"/>
               </a:ext>
               <a:ext uri="{C183D7F6-B498-43B3-948B-1728B52AA6E4}">
-                <adec:decorative xmlns:adec="http://schemas.microsoft.com/office/drawing/2017/decorative" val="1"/>
+                <adec:decorative xmlns:adec="http://schemas.microsoft.com/office/drawing/2017/decorative" xmlns="" val="1"/>
               </a:ext>
             </a:extLst>
           </p:cNvPr>
@@ -22483,7 +23205,7 @@
                 <a16:creationId xmlns:a16="http://schemas.microsoft.com/office/drawing/2014/main" id="{523BEDA7-D0B8-4802-8168-92452653BC9F}"/>
               </a:ext>
               <a:ext uri="{C183D7F6-B498-43B3-948B-1728B52AA6E4}">
-                <adec:decorative xmlns:adec="http://schemas.microsoft.com/office/drawing/2017/decorative" val="1"/>
+                <adec:decorative xmlns:adec="http://schemas.microsoft.com/office/drawing/2017/decorative" xmlns="" val="1"/>
               </a:ext>
             </a:extLst>
           </p:cNvPr>
@@ -22540,7 +23262,7 @@
                 <a16:creationId xmlns:a16="http://schemas.microsoft.com/office/drawing/2014/main" id="{D2EFF34B-7B1A-4F9D-8CEE-A40962BC7C21}"/>
               </a:ext>
               <a:ext uri="{C183D7F6-B498-43B3-948B-1728B52AA6E4}">
-                <adec:decorative xmlns:adec="http://schemas.microsoft.com/office/drawing/2017/decorative" val="1"/>
+                <adec:decorative xmlns:adec="http://schemas.microsoft.com/office/drawing/2017/decorative" xmlns="" val="1"/>
               </a:ext>
             </a:extLst>
           </p:cNvPr>
@@ -24131,7 +24853,7 @@
                 <a16:creationId xmlns:a16="http://schemas.microsoft.com/office/drawing/2014/main" id="{6753252F-4873-4F63-801D-CC719279A7D5}"/>
               </a:ext>
               <a:ext uri="{C183D7F6-B498-43B3-948B-1728B52AA6E4}">
-                <adec:decorative xmlns:adec="http://schemas.microsoft.com/office/drawing/2017/decorative" val="1"/>
+                <adec:decorative xmlns:adec="http://schemas.microsoft.com/office/drawing/2017/decorative" xmlns="" val="1"/>
               </a:ext>
             </a:extLst>
           </p:cNvPr>
@@ -24194,7 +24916,7 @@
                 <a16:creationId xmlns:a16="http://schemas.microsoft.com/office/drawing/2014/main" id="{047C8CCB-F95D-4249-92DD-651249D3535A}"/>
               </a:ext>
               <a:ext uri="{C183D7F6-B498-43B3-948B-1728B52AA6E4}">
-                <adec:decorative xmlns:adec="http://schemas.microsoft.com/office/drawing/2017/decorative" val="1"/>
+                <adec:decorative xmlns:adec="http://schemas.microsoft.com/office/drawing/2017/decorative" xmlns="" val="1"/>
               </a:ext>
             </a:extLst>
           </p:cNvPr>
@@ -25146,7 +25868,7 @@
                 <a16:creationId xmlns:a16="http://schemas.microsoft.com/office/drawing/2014/main" id="{E02F3C71-C981-4614-98EA-D6C494F8091E}"/>
               </a:ext>
               <a:ext uri="{C183D7F6-B498-43B3-948B-1728B52AA6E4}">
-                <adec:decorative xmlns:adec="http://schemas.microsoft.com/office/drawing/2017/decorative" val="1"/>
+                <adec:decorative xmlns:adec="http://schemas.microsoft.com/office/drawing/2017/decorative" xmlns="" val="1"/>
               </a:ext>
             </a:extLst>
           </p:cNvPr>
@@ -25394,7 +26116,7 @@
                 <a16:creationId xmlns:a16="http://schemas.microsoft.com/office/drawing/2014/main" id="{867D4867-5BA7-4462-B2F6-A23F4A622AA7}"/>
               </a:ext>
               <a:ext uri="{C183D7F6-B498-43B3-948B-1728B52AA6E4}">
-                <adec:decorative xmlns:adec="http://schemas.microsoft.com/office/drawing/2017/decorative" val="1"/>
+                <adec:decorative xmlns:adec="http://schemas.microsoft.com/office/drawing/2017/decorative" xmlns="" val="1"/>
               </a:ext>
             </a:extLst>
           </p:cNvPr>
@@ -25790,7 +26512,7 @@
                 <a16:creationId xmlns:a16="http://schemas.microsoft.com/office/drawing/2014/main" id="{A4AC5506-6312-4701-8D3C-40187889A947}"/>
               </a:ext>
               <a:ext uri="{C183D7F6-B498-43B3-948B-1728B52AA6E4}">
-                <adec:decorative xmlns:adec="http://schemas.microsoft.com/office/drawing/2017/decorative" val="1"/>
+                <adec:decorative xmlns:adec="http://schemas.microsoft.com/office/drawing/2017/decorative" xmlns="" val="1"/>
               </a:ext>
             </a:extLst>
           </p:cNvPr>
@@ -25958,7 +26680,7 @@
                 <a16:creationId xmlns:a16="http://schemas.microsoft.com/office/drawing/2014/main" id="{6F9EB9F2-07E2-4D64-BBD8-BB5B217F1218}"/>
               </a:ext>
               <a:ext uri="{C183D7F6-B498-43B3-948B-1728B52AA6E4}">
-                <adec:decorative xmlns:adec="http://schemas.microsoft.com/office/drawing/2017/decorative" val="1"/>
+                <adec:decorative xmlns:adec="http://schemas.microsoft.com/office/drawing/2017/decorative" xmlns="" val="1"/>
               </a:ext>
             </a:extLst>
           </p:cNvPr>
@@ -26068,7 +26790,7 @@
                 <a16:creationId xmlns:a16="http://schemas.microsoft.com/office/drawing/2014/main" id="{F0C57C7C-DFE9-4A1E-B7A9-DF40E63366BB}"/>
               </a:ext>
               <a:ext uri="{C183D7F6-B498-43B3-948B-1728B52AA6E4}">
-                <adec:decorative xmlns:adec="http://schemas.microsoft.com/office/drawing/2017/decorative" val="1"/>
+                <adec:decorative xmlns:adec="http://schemas.microsoft.com/office/drawing/2017/decorative" xmlns="" val="1"/>
               </a:ext>
             </a:extLst>
           </p:cNvPr>
@@ -26161,7 +26883,7 @@
                 <a16:creationId xmlns:a16="http://schemas.microsoft.com/office/drawing/2014/main" id="{DB66F6E8-4D4A-4907-940A-774703A2D0FE}"/>
               </a:ext>
               <a:ext uri="{C183D7F6-B498-43B3-948B-1728B52AA6E4}">
-                <adec:decorative xmlns:adec="http://schemas.microsoft.com/office/drawing/2017/decorative" val="1"/>
+                <adec:decorative xmlns:adec="http://schemas.microsoft.com/office/drawing/2017/decorative" xmlns="" val="1"/>
               </a:ext>
             </a:extLst>
           </p:cNvPr>
@@ -26274,7 +26996,7 @@
                 <a16:creationId xmlns:a16="http://schemas.microsoft.com/office/drawing/2014/main" id="{8F1F5A56-E82B-4FD5-9025-B72896FFBB6D}"/>
               </a:ext>
               <a:ext uri="{C183D7F6-B498-43B3-948B-1728B52AA6E4}">
-                <adec:decorative xmlns:adec="http://schemas.microsoft.com/office/drawing/2017/decorative" val="1"/>
+                <adec:decorative xmlns:adec="http://schemas.microsoft.com/office/drawing/2017/decorative" xmlns="" val="1"/>
               </a:ext>
             </a:extLst>
           </p:cNvPr>
@@ -26547,7 +27269,7 @@
                 <a16:creationId xmlns:a16="http://schemas.microsoft.com/office/drawing/2014/main" id="{48A740BC-A0AA-45E0-B899-2AE9C6FE11CA}"/>
               </a:ext>
               <a:ext uri="{C183D7F6-B498-43B3-948B-1728B52AA6E4}">
-                <adec:decorative xmlns:adec="http://schemas.microsoft.com/office/drawing/2017/decorative" val="1"/>
+                <adec:decorative xmlns:adec="http://schemas.microsoft.com/office/drawing/2017/decorative" xmlns="" val="1"/>
               </a:ext>
             </a:extLst>
           </p:cNvPr>
@@ -26744,7 +27466,7 @@
                 <a16:creationId xmlns:a16="http://schemas.microsoft.com/office/drawing/2014/main" id="{B874EF51-C858-4BB9-97C3-D17755787127}"/>
               </a:ext>
               <a:ext uri="{C183D7F6-B498-43B3-948B-1728B52AA6E4}">
-                <adec:decorative xmlns:adec="http://schemas.microsoft.com/office/drawing/2017/decorative" val="1"/>
+                <adec:decorative xmlns:adec="http://schemas.microsoft.com/office/drawing/2017/decorative" xmlns="" val="1"/>
               </a:ext>
             </a:extLst>
           </p:cNvPr>
@@ -26891,7 +27613,7 @@
                 <a16:creationId xmlns:a16="http://schemas.microsoft.com/office/drawing/2014/main" id="{42285737-90EE-47DC-AC80-8AE156B11969}"/>
               </a:ext>
               <a:ext uri="{C183D7F6-B498-43B3-948B-1728B52AA6E4}">
-                <adec:decorative xmlns:adec="http://schemas.microsoft.com/office/drawing/2017/decorative" val="1"/>
+                <adec:decorative xmlns:adec="http://schemas.microsoft.com/office/drawing/2017/decorative" xmlns="" val="1"/>
               </a:ext>
             </a:extLst>
           </p:cNvPr>
@@ -27071,7 +27793,7 @@
                 <a16:creationId xmlns:a16="http://schemas.microsoft.com/office/drawing/2014/main" id="{B57BDC17-F1B3-455F-BBF1-680AA1F25C06}"/>
               </a:ext>
               <a:ext uri="{C183D7F6-B498-43B3-948B-1728B52AA6E4}">
-                <adec:decorative xmlns:adec="http://schemas.microsoft.com/office/drawing/2017/decorative" val="1"/>
+                <adec:decorative xmlns:adec="http://schemas.microsoft.com/office/drawing/2017/decorative" xmlns="" val="1"/>
               </a:ext>
             </a:extLst>
           </p:cNvPr>
@@ -27102,7 +27824,7 @@
                   <a16:creationId xmlns:a16="http://schemas.microsoft.com/office/drawing/2014/main" id="{64E2FA9A-FEF7-4501-B0EB-5E45EDD2177A}"/>
                 </a:ext>
                 <a:ext uri="{C183D7F6-B498-43B3-948B-1728B52AA6E4}">
-                  <adec:decorative xmlns:adec="http://schemas.microsoft.com/office/drawing/2017/decorative" val="1"/>
+                  <adec:decorative xmlns:adec="http://schemas.microsoft.com/office/drawing/2017/decorative" xmlns="" val="1"/>
                 </a:ext>
               </a:extLst>
             </p:cNvPr>
@@ -27163,7 +27885,7 @@
                   <a16:creationId xmlns:a16="http://schemas.microsoft.com/office/drawing/2014/main" id="{BC38192B-B4CB-47D4-A3B1-10010247F158}"/>
                 </a:ext>
                 <a:ext uri="{C183D7F6-B498-43B3-948B-1728B52AA6E4}">
-                  <adec:decorative xmlns:adec="http://schemas.microsoft.com/office/drawing/2017/decorative" val="1"/>
+                  <adec:decorative xmlns:adec="http://schemas.microsoft.com/office/drawing/2017/decorative" xmlns="" val="1"/>
                 </a:ext>
               </a:extLst>
             </p:cNvPr>
@@ -27224,7 +27946,7 @@
                   <a16:creationId xmlns:a16="http://schemas.microsoft.com/office/drawing/2014/main" id="{96330E33-E171-4B0F-82B5-AF7230399B5C}"/>
                 </a:ext>
                 <a:ext uri="{C183D7F6-B498-43B3-948B-1728B52AA6E4}">
-                  <adec:decorative xmlns:adec="http://schemas.microsoft.com/office/drawing/2017/decorative" val="1"/>
+                  <adec:decorative xmlns:adec="http://schemas.microsoft.com/office/drawing/2017/decorative" xmlns="" val="1"/>
                 </a:ext>
               </a:extLst>
             </p:cNvPr>
@@ -27282,7 +28004,7 @@
                   <a16:creationId xmlns:a16="http://schemas.microsoft.com/office/drawing/2014/main" id="{332B1723-69BF-42D7-B757-0FA059E15256}"/>
                 </a:ext>
                 <a:ext uri="{C183D7F6-B498-43B3-948B-1728B52AA6E4}">
-                  <adec:decorative xmlns:adec="http://schemas.microsoft.com/office/drawing/2017/decorative" val="1"/>
+                  <adec:decorative xmlns:adec="http://schemas.microsoft.com/office/drawing/2017/decorative" xmlns="" val="1"/>
                 </a:ext>
               </a:extLst>
             </p:cNvPr>
@@ -27342,7 +28064,7 @@
                   <a16:creationId xmlns:a16="http://schemas.microsoft.com/office/drawing/2014/main" id="{F115D62D-1E96-48D1-A78D-D370A0BFB9B5}"/>
                 </a:ext>
                 <a:ext uri="{C183D7F6-B498-43B3-948B-1728B52AA6E4}">
-                  <adec:decorative xmlns:adec="http://schemas.microsoft.com/office/drawing/2017/decorative" val="1"/>
+                  <adec:decorative xmlns:adec="http://schemas.microsoft.com/office/drawing/2017/decorative" xmlns="" val="1"/>
                 </a:ext>
               </a:extLst>
             </p:cNvPr>
@@ -27408,7 +28130,7 @@
                   <a16:creationId xmlns:a16="http://schemas.microsoft.com/office/drawing/2014/main" id="{91C2876A-169D-4822-A766-C00578C88B4B}"/>
                 </a:ext>
                 <a:ext uri="{C183D7F6-B498-43B3-948B-1728B52AA6E4}">
-                  <adec:decorative xmlns:adec="http://schemas.microsoft.com/office/drawing/2017/decorative" val="1"/>
+                  <adec:decorative xmlns:adec="http://schemas.microsoft.com/office/drawing/2017/decorative" xmlns="" val="1"/>
                 </a:ext>
               </a:extLst>
             </p:cNvPr>
@@ -28409,7 +29131,7 @@
                 <a16:creationId xmlns:a16="http://schemas.microsoft.com/office/drawing/2014/main" id="{867D4867-5BA7-4462-B2F6-A23F4A622AA7}"/>
               </a:ext>
               <a:ext uri="{C183D7F6-B498-43B3-948B-1728B52AA6E4}">
-                <adec:decorative xmlns:adec="http://schemas.microsoft.com/office/drawing/2017/decorative" val="1"/>
+                <adec:decorative xmlns:adec="http://schemas.microsoft.com/office/drawing/2017/decorative" xmlns="" val="1"/>
               </a:ext>
             </a:extLst>
           </p:cNvPr>
@@ -29012,7 +29734,7 @@
                 <a16:creationId xmlns:a16="http://schemas.microsoft.com/office/drawing/2014/main" id="{5E39A796-BE83-48B1-B33F-35C4A32AAB57}"/>
               </a:ext>
               <a:ext uri="{C183D7F6-B498-43B3-948B-1728B52AA6E4}">
-                <adec:decorative xmlns:adec="http://schemas.microsoft.com/office/drawing/2017/decorative" val="1"/>
+                <adec:decorative xmlns:adec="http://schemas.microsoft.com/office/drawing/2017/decorative" xmlns="" val="1"/>
               </a:ext>
             </a:extLst>
           </p:cNvPr>
@@ -29075,7 +29797,7 @@
                 <a16:creationId xmlns:a16="http://schemas.microsoft.com/office/drawing/2014/main" id="{72F84B47-E267-4194-8194-831DB7B5547F}"/>
               </a:ext>
               <a:ext uri="{C183D7F6-B498-43B3-948B-1728B52AA6E4}">
-                <adec:decorative xmlns:adec="http://schemas.microsoft.com/office/drawing/2017/decorative" val="1"/>
+                <adec:decorative xmlns:adec="http://schemas.microsoft.com/office/drawing/2017/decorative" xmlns="" val="1"/>
               </a:ext>
             </a:extLst>
           </p:cNvPr>
@@ -29249,7 +29971,7 @@
                 <a16:creationId xmlns:a16="http://schemas.microsoft.com/office/drawing/2014/main" id="{867D4867-5BA7-4462-B2F6-A23F4A622AA7}"/>
               </a:ext>
               <a:ext uri="{C183D7F6-B498-43B3-948B-1728B52AA6E4}">
-                <adec:decorative xmlns:adec="http://schemas.microsoft.com/office/drawing/2017/decorative" val="1"/>
+                <adec:decorative xmlns:adec="http://schemas.microsoft.com/office/drawing/2017/decorative" xmlns="" val="1"/>
               </a:ext>
             </a:extLst>
           </p:cNvPr>
@@ -29491,7 +30213,7 @@
                 <a16:creationId xmlns:a16="http://schemas.microsoft.com/office/drawing/2014/main" id="{68A4132F-DEC6-4332-A00C-A11AD4519B6C}"/>
               </a:ext>
               <a:ext uri="{C183D7F6-B498-43B3-948B-1728B52AA6E4}">
-                <adec:decorative xmlns:adec="http://schemas.microsoft.com/office/drawing/2017/decorative" val="1"/>
+                <adec:decorative xmlns:adec="http://schemas.microsoft.com/office/drawing/2017/decorative" xmlns="" val="1"/>
               </a:ext>
             </a:extLst>
           </p:cNvPr>
@@ -29584,7 +30306,7 @@
                 <a16:creationId xmlns:a16="http://schemas.microsoft.com/office/drawing/2014/main" id="{64965EAE-E41A-435F-B993-07E824B6C977}"/>
               </a:ext>
               <a:ext uri="{C183D7F6-B498-43B3-948B-1728B52AA6E4}">
-                <adec:decorative xmlns:adec="http://schemas.microsoft.com/office/drawing/2017/decorative" val="1"/>
+                <adec:decorative xmlns:adec="http://schemas.microsoft.com/office/drawing/2017/decorative" xmlns="" val="1"/>
               </a:ext>
             </a:extLst>
           </p:cNvPr>
@@ -29696,7 +30418,7 @@
                 <a16:creationId xmlns:a16="http://schemas.microsoft.com/office/drawing/2014/main" id="{152F8994-E6D4-4311-9548-C3607BC43645}"/>
               </a:ext>
               <a:ext uri="{C183D7F6-B498-43B3-948B-1728B52AA6E4}">
-                <adec:decorative xmlns:adec="http://schemas.microsoft.com/office/drawing/2017/decorative" val="1"/>
+                <adec:decorative xmlns:adec="http://schemas.microsoft.com/office/drawing/2017/decorative" xmlns="" val="1"/>
               </a:ext>
             </a:extLst>
           </p:cNvPr>
@@ -29990,7 +30712,7 @@
                 <a16:creationId xmlns:a16="http://schemas.microsoft.com/office/drawing/2014/main" id="{73DE2CFE-42F2-48F0-8706-5264E012B10C}"/>
               </a:ext>
               <a:ext uri="{C183D7F6-B498-43B3-948B-1728B52AA6E4}">
-                <adec:decorative xmlns:adec="http://schemas.microsoft.com/office/drawing/2017/decorative" val="1"/>
+                <adec:decorative xmlns:adec="http://schemas.microsoft.com/office/drawing/2017/decorative" xmlns="" val="1"/>
               </a:ext>
             </a:extLst>
           </p:cNvPr>
@@ -30208,6 +30930,18 @@
     <a:masterClrMapping/>
   </p:clrMapOvr>
 </p:sld>
+</file>
+
+<file path=ppt/tags/tag1.xml><?xml version="1.0" encoding="utf-8"?>
+<p:tagLst xmlns:a="http://schemas.openxmlformats.org/drawingml/2006/main" xmlns:r="http://schemas.openxmlformats.org/officeDocument/2006/relationships" xmlns:p="http://schemas.openxmlformats.org/presentationml/2006/main">
+  <p:tag name="THINKCELLSHAPEDONOTDELETE" val="thinkcellActiveDocDoNotDelete"/>
+</p:tagLst>
+</file>
+
+<file path=ppt/tags/tag2.xml><?xml version="1.0" encoding="utf-8"?>
+<p:tagLst xmlns:a="http://schemas.openxmlformats.org/drawingml/2006/main" xmlns:r="http://schemas.openxmlformats.org/officeDocument/2006/relationships" xmlns:p="http://schemas.openxmlformats.org/presentationml/2006/main">
+  <p:tag name="THINKCELLSHAPEDONOTDELETE" val="thinkcellActiveDocDoNotDelete"/>
+</p:tagLst>
 </file>
 
 <file path=ppt/theme/theme1.xml><?xml version="1.0" encoding="utf-8"?>
